--- a/msr6-bof-eckert-core-requirements.pptx
+++ b/msr6-bof-eckert-core-requirements.pptx
@@ -11,6 +11,8 @@
     <p:sldId id="259" r:id="rId6"/>
     <p:sldId id="260" r:id="rId7"/>
     <p:sldId id="261" r:id="rId8"/>
+    <p:sldId id="262" r:id="rId9"/>
+    <p:sldId id="263" r:id="rId10"/>
   </p:sldIdLst>
   <p:sldSz cx="12192000" cy="6858000"/>
   <p:notesSz cx="12192000" cy="6858000"/>
@@ -3213,8 +3215,8 @@
         </p:nvSpPr>
         <p:spPr bwMode="auto">
           <a:xfrm flipH="0" flipV="0">
-            <a:off x="1378703" y="799481"/>
-            <a:ext cx="9144000" cy="1557552"/>
+            <a:off x="543797" y="799480"/>
+            <a:ext cx="11152689" cy="1557551"/>
           </a:xfrm>
         </p:spPr>
         <p:txBody>
@@ -3230,12 +3232,23 @@
               <a:rPr lang="en-US" sz="4800"/>
               <a:t>Core Use-Case Requirements</a:t>
             </a:r>
+            <a:r>
+              <a:rPr lang="en-US" sz="4800"/>
+              <a:t> for MSR6</a:t>
+            </a:r>
             <a:br>
-              <a:rPr lang="en-US"/>
+              <a:rPr lang="en-US" sz="4800"/>
             </a:br>
             <a:r>
-              <a:rPr lang="en-US" sz="4800"/>
-              <a:t>for MSR6</a:t>
+              <a:rPr lang="en-US" sz="3600"/>
+              <a:t>from operational/developer perspective</a:t>
+            </a:r>
+            <a:br>
+              <a:rPr lang="en-US" sz="3600"/>
+            </a:br>
+            <a:r>
+              <a:rPr lang="en-US" sz="2600" i="1"/>
+              <a:t>aka: extracted/summarized from use-cases</a:t>
             </a:r>
             <a:endParaRPr lang="en-US" sz="4800"/>
           </a:p>
@@ -3253,7 +3266,7 @@
         </p:nvSpPr>
         <p:spPr bwMode="auto">
           <a:xfrm flipH="0" flipV="0">
-            <a:off x="728135" y="2649537"/>
+            <a:off x="728135" y="2649536"/>
             <a:ext cx="10897245" cy="3775800"/>
           </a:xfrm>
         </p:spPr>
@@ -3294,14 +3307,21 @@
             </a:pPr>
             <a:r>
               <a:rPr lang="en-US" sz="2800" i="1"/>
-              <a:t>how to fit 30 years of IP Multicast protocol design and deployment experience</a:t>
-            </a:r>
-            <a:br>
+              <a:t>how to fit 30 years of IP Multicast protocol design, deployment </a:t>
+            </a:r>
+            <a:endParaRPr lang="en-US" sz="2800" i="1"/>
+          </a:p>
+          <a:p>
+            <a:pPr>
+              <a:defRPr/>
+            </a:pPr>
+            <a:r>
               <a:rPr lang="en-US" sz="2800" i="1"/>
-            </a:br>
+              <a:t>and multicast app-development experience</a:t>
+            </a:r>
             <a:r>
               <a:rPr lang="en-US" sz="2800" i="1"/>
-              <a:t>into to few slides &amp; time</a:t>
+              <a:t> into too little time and slides</a:t>
             </a:r>
             <a:br>
               <a:rPr lang="en-US" sz="2800" i="1"/>
@@ -3694,7 +3714,7 @@
         </p:nvSpPr>
         <p:spPr bwMode="auto">
           <a:xfrm flipH="0" flipV="0">
-            <a:off x="273157" y="42243"/>
+            <a:off x="273156" y="-18041"/>
             <a:ext cx="11080642" cy="990976"/>
           </a:xfrm>
         </p:spPr>
@@ -3731,13 +3751,13 @@
         </p:nvSpPr>
         <p:spPr bwMode="auto">
           <a:xfrm flipH="0" flipV="0">
-            <a:off x="273157" y="1189279"/>
-            <a:ext cx="9189967" cy="5892584"/>
+            <a:off x="273156" y="827569"/>
+            <a:ext cx="9361589" cy="5892583"/>
           </a:xfrm>
         </p:spPr>
         <p:txBody>
           <a:bodyPr vertOverflow="overflow" horzOverflow="clip" vert="horz" wrap="square" lIns="91440" tIns="45720" rIns="91440" bIns="45720" numCol="1" spcCol="0" rtlCol="0" fromWordArt="0" anchor="t" anchorCtr="0" forceAA="0" upright="0" compatLnSpc="0">
-            <a:normAutofit fontScale="85000" lnSpcReduction="3000"/>
+            <a:normAutofit fontScale="80000" lnSpcReduction="4000"/>
           </a:bodyPr>
           <a:lstStyle/>
           <a:p>
@@ -3748,7 +3768,7 @@
             </a:pPr>
             <a:r>
               <a:rPr sz="2600"/>
-              <a:t>BIER RFC8279 (arch) + RFC8296 (header) is new layer ~L2/L2.5</a:t>
+              <a:t>BIER RFC8279 (arch) + RFC8296 (header) is new layer ~ L2 / L2.5</a:t>
             </a:r>
             <a:endParaRPr sz="2600"/>
           </a:p>
@@ -3759,47 +3779,59 @@
               <a:defRPr/>
             </a:pPr>
             <a:r>
-              <a:rPr sz="2400"/>
+              <a:rPr sz="2400" i="1"/>
               <a:t>BIER router (BFR) forwarding is not IPv6 forwarding (RFC8200)</a:t>
             </a:r>
+            <a:endParaRPr sz="2400" i="1"/>
+          </a:p>
+          <a:p>
+            <a:pPr marL="457200" lvl="1" indent="0">
+              <a:buFont typeface="Arial"/>
+              <a:buNone/>
+              <a:defRPr/>
+            </a:pPr>
+            <a:r>
+              <a:rPr sz="2400" i="1"/>
+              <a:t>BIER packets are not IPv6 packets (RFC8200)</a:t>
+            </a:r>
+            <a:endParaRPr sz="2400" i="1"/>
+          </a:p>
+          <a:p>
+            <a:pPr marL="457200" lvl="1" indent="0">
+              <a:buFont typeface="Arial"/>
+              <a:buNone/>
+              <a:defRPr/>
+            </a:pPr>
             <a:endParaRPr sz="2400"/>
           </a:p>
           <a:p>
+            <a:pPr marL="57149" lvl="0" indent="0">
+              <a:buFont typeface="Arial"/>
+              <a:buNone/>
+              <a:defRPr/>
+            </a:pPr>
+            <a:r>
+              <a:rPr sz="2600" b="0">
+                <a:solidFill>
+                  <a:srgbClr val="00B050"/>
+                </a:solidFill>
+              </a:rPr>
+              <a:t>Now: “One additional multicast forwarding plane for all unicast networks”</a:t>
+            </a:r>
+            <a:endParaRPr sz="2200" b="0">
+              <a:solidFill>
+                <a:srgbClr val="00B050"/>
+              </a:solidFill>
+            </a:endParaRPr>
+          </a:p>
+          <a:p>
             <a:pPr marL="457200" lvl="1" indent="0">
               <a:buFont typeface="Arial"/>
               <a:buNone/>
               <a:defRPr/>
             </a:pPr>
             <a:r>
-              <a:rPr sz="2400"/>
-              <a:t>BIER packets are not IPv6 packets (RFC8200)</a:t>
-            </a:r>
-            <a:endParaRPr sz="2400"/>
-          </a:p>
-          <a:p>
-            <a:pPr marL="457200" lvl="1" indent="0">
-              <a:buFont typeface="Arial"/>
-              <a:buNone/>
-              <a:defRPr/>
-            </a:pPr>
-            <a:r>
-              <a:rPr sz="2400" b="0">
-                <a:solidFill>
-                  <a:srgbClr val="00B050"/>
-                </a:solidFill>
-              </a:rPr>
-              <a:t>Goal: “One additional multicast forwarding plane for all unicast networks”</a:t>
-            </a:r>
-            <a:endParaRPr sz="2400"/>
-          </a:p>
-          <a:p>
-            <a:pPr marL="457200" lvl="1" indent="0">
-              <a:buFont typeface="Arial"/>
-              <a:buNone/>
-              <a:defRPr/>
-            </a:pPr>
-            <a:r>
-              <a:rPr lang="en-US" sz="2400" b="0" i="0" u="none" strike="noStrike" cap="none" spc="0">
+              <a:rPr lang="en-US" sz="2400" b="0" i="1" u="none" strike="noStrike" cap="none" spc="0">
                 <a:solidFill>
                   <a:schemeClr val="tx1"/>
                 </a:solidFill>
@@ -3807,9 +3839,9 @@
                 <a:ea typeface="+mn-ea"/>
                 <a:cs typeface="+mn-cs"/>
               </a:rPr>
-              <a:t>Initially built for MPLS: header: label field (BIFT-ID), TC, OAM, signaling, ...</a:t>
-            </a:r>
-            <a:endParaRPr sz="2400"/>
+              <a:t>Initially optimized for MPLS: header: label field (BIFT-ID), TC, OAM, signaling, ...</a:t>
+            </a:r>
+            <a:endParaRPr sz="2400" i="1"/>
           </a:p>
           <a:p>
             <a:pPr marL="914400" lvl="2" indent="0">
@@ -3850,7 +3882,7 @@
             </a:r>
             <a:r>
               <a:rPr sz="2600"/>
-              <a:t> / IPv6 Multicast</a:t>
+              <a:t> / IPv6 Multicast ?</a:t>
             </a:r>
             <a:endParaRPr sz="2600"/>
           </a:p>
@@ -3866,7 +3898,7 @@
                   <a:srgbClr val="FF0000"/>
                 </a:solidFill>
               </a:rPr>
-              <a:t>Do not build IPv6-only networks !</a:t>
+              <a:t>Do not build IPv6-only networks ! </a:t>
             </a:r>
             <a:endParaRPr sz="2000">
               <a:solidFill>
@@ -3881,7 +3913,26 @@
               <a:defRPr/>
             </a:pPr>
             <a:r>
-              <a:rPr sz="2200">
+              <a:rPr lang="en-US" sz="2200" b="1" i="1" u="none" strike="noStrike" cap="none" spc="0">
+                <a:solidFill>
+                  <a:srgbClr val="FF0000"/>
+                </a:solidFill>
+                <a:latin typeface="+mn-lt"/>
+                <a:ea typeface="+mn-ea"/>
+                <a:cs typeface="+mn-cs"/>
+              </a:rPr>
+              <a:t>draft-ietf-bier-bierin6 draft:</a:t>
+            </a:r>
+            <a:endParaRPr sz="2000" b="1"/>
+          </a:p>
+          <a:p>
+            <a:pPr marL="914400" lvl="2" indent="0">
+              <a:buFont typeface="Arial"/>
+              <a:buNone/>
+              <a:defRPr/>
+            </a:pPr>
+            <a:r>
+              <a:rPr sz="2000" i="1">
                 <a:solidFill>
                   <a:srgbClr val="FF0000"/>
                 </a:solidFill>
@@ -3889,38 +3940,35 @@
               <a:t>Run </a:t>
             </a:r>
             <a:r>
-              <a:rPr sz="2200">
+              <a:rPr sz="2000" i="1">
                 <a:solidFill>
                   <a:srgbClr val="FF0000"/>
                 </a:solidFill>
               </a:rPr>
               <a:t>separate BIER hop-by-hop forwarding plane</a:t>
             </a:r>
-            <a:br>
-              <a:rPr sz="2200"/>
-            </a:br>
-            <a:r>
-              <a:rPr sz="2200"/>
-              <a:t>  in parallel to IPv6</a:t>
-            </a:r>
-            <a:r>
-              <a:rPr sz="2600"/>
-              <a:t> </a:t>
-            </a:r>
-            <a:r>
-              <a:rPr sz="2400"/>
-              <a:t>unicast </a:t>
-            </a:r>
-            <a:r>
-              <a:rPr sz="2400"/>
-              <a:t>forwarding plane </a:t>
-            </a:r>
+            <a:r>
+              <a:rPr sz="2200" i="1"/>
+              <a:t> - </a:t>
+            </a:r>
+            <a:r>
+              <a:rPr sz="2200" b="1" i="1"/>
+              <a:t>parallel + overlay</a:t>
+            </a:r>
+            <a:endParaRPr sz="2200" i="1"/>
+          </a:p>
+          <a:p>
+            <a:pPr marL="457200" lvl="1" indent="0">
+              <a:buFont typeface="Arial"/>
+              <a:buNone/>
+              <a:defRPr/>
+            </a:pPr>
             <a:endParaRPr sz="2000"/>
           </a:p>
           <a:p>
-            <a:pPr marL="457200" lvl="1" indent="0">
-              <a:buFont typeface="Arial"/>
-              <a:buNone/>
+            <a:pPr marL="752093" lvl="1" indent="-294893">
+              <a:buFont typeface="Arial"/>
+              <a:buAutoNum type="arabicPeriod"/>
               <a:defRPr/>
             </a:pPr>
             <a:r>
@@ -3933,9 +3981,13 @@
                   <a:srgbClr val="FF0000"/>
                 </a:solidFill>
               </a:rPr>
-              <a:t>2 layers</a:t>
-            </a:r>
-            <a:endParaRPr sz="2000"/>
+              <a:t>2 headers</a:t>
+            </a:r>
+            <a:endParaRPr sz="2400">
+              <a:solidFill>
+                <a:srgbClr val="FF0000"/>
+              </a:solidFill>
+            </a:endParaRPr>
           </a:p>
           <a:p>
             <a:pPr marL="914400" lvl="2" indent="0">
@@ -3944,8 +3996,12 @@
               <a:defRPr/>
             </a:pPr>
             <a:r>
+              <a:rPr sz="2000" i="1"/>
+              <a:t>BIER header + IPv6 (multicast) Header (so-called BIER flow overlay)</a:t>
+            </a:r>
+            <a:r>
               <a:rPr sz="2200"/>
-              <a:t>BIER header + IPv6 (multicast) Header (so-called BIER flow overlay) </a:t>
+              <a:t> </a:t>
             </a:r>
             <a:endParaRPr sz="2200">
               <a:solidFill>
@@ -3959,9 +4015,17 @@
               <a:buNone/>
               <a:defRPr/>
             </a:pPr>
+            <a:endParaRPr sz="2000"/>
+          </a:p>
+          <a:p>
+            <a:pPr marL="457200" lvl="1" indent="0">
+              <a:buFont typeface="Arial"/>
+              <a:buNone/>
+              <a:defRPr/>
+            </a:pPr>
             <a:r>
               <a:rPr sz="2400"/>
-              <a:t>Transit over IPv6-unicast only routers : </a:t>
+              <a:t>2. Transit over IPv6-unicast only routers (loose hops) : </a:t>
             </a:r>
             <a:r>
               <a:rPr sz="2400">
@@ -3969,9 +4033,13 @@
                   <a:srgbClr val="FF0000"/>
                 </a:solidFill>
               </a:rPr>
-              <a:t>3 layers</a:t>
-            </a:r>
-            <a:endParaRPr sz="2000"/>
+              <a:t>3 headers</a:t>
+            </a:r>
+            <a:endParaRPr sz="2400">
+              <a:solidFill>
+                <a:srgbClr val="FF0000"/>
+              </a:solidFill>
+            </a:endParaRPr>
           </a:p>
           <a:p>
             <a:pPr marL="914400" lvl="2" indent="0">
@@ -3980,19 +4048,7 @@
               <a:defRPr/>
             </a:pPr>
             <a:r>
-              <a:rPr sz="2200"/>
-              <a:t>BIER hop-by-hop tunnel BIER over IPv6 (bier-bierin6 draft)</a:t>
-            </a:r>
-            <a:endParaRPr sz="2200"/>
-          </a:p>
-          <a:p>
-            <a:pPr marL="914400" lvl="2" indent="0">
-              <a:buFont typeface="Arial"/>
-              <a:buNone/>
-              <a:defRPr/>
-            </a:pPr>
-            <a:r>
-              <a:rPr sz="2400"/>
+              <a:rPr sz="2200" i="1"/>
               <a:t>IPv6 unicast header (lower) + BIER header + IPv6 (multicast) header</a:t>
             </a:r>
             <a:endParaRPr sz="2000"/>
@@ -4184,7 +4240,7 @@
         </p:spPr>
         <p:txBody>
           <a:bodyPr vertOverflow="overflow" horzOverflow="clip" vert="horz" wrap="square" lIns="91440" tIns="45720" rIns="91440" bIns="45720" numCol="1" spcCol="0" rtlCol="0" fromWordArt="0" anchor="t" anchorCtr="0" forceAA="0" upright="0" compatLnSpc="0">
-            <a:normAutofit fontScale="75000" lnSpcReduction="5000"/>
+            <a:normAutofit fontScale="80000" lnSpcReduction="4000"/>
           </a:bodyPr>
           <a:lstStyle/>
           <a:p>
@@ -4199,7 +4255,7 @@
             </a:r>
             <a:r>
               <a:rPr/>
-              <a:t>IP Multicast solutions are only successfully when they align and integrate with network unicast designs as much as possible</a:t>
+              <a:t>IP Multicast solutions are most successful when they minimize the additional ecosystem differences / work over the networks unicast solution</a:t>
             </a:r>
             <a:endParaRPr/>
           </a:p>
@@ -4218,7 +4274,7 @@
                 <a:ea typeface="+mn-ea"/>
                 <a:cs typeface="+mn-cs"/>
               </a:rPr>
-              <a:t>Do not build or afford parallel additional or unnecessary different  multicast technology</a:t>
+              <a:t>Do not introduce additional unnecessary multicast technology – reuse everything you can</a:t>
             </a:r>
             <a:endParaRPr sz="2800" b="0" i="1" u="none" strike="noStrike" cap="none" spc="0">
               <a:solidFill>
@@ -4264,26 +4320,26 @@
               <a:defRPr/>
             </a:pPr>
             <a:r>
-              <a:rPr/>
+              <a:rPr sz="2200"/>
               <a:t>Allowed to </a:t>
             </a:r>
             <a:r>
-              <a:rPr>
+              <a:rPr sz="2200">
                 <a:solidFill>
                   <a:srgbClr val="00B050"/>
                 </a:solidFill>
               </a:rPr>
-              <a:t>re-use/extend IP/IPv6 ecosystem:</a:t>
+              <a:t>re-use or logically amend IP/IPv6 ecosystem components:</a:t>
             </a:r>
             <a:br>
-              <a:rPr>
+              <a:rPr sz="2200">
                 <a:solidFill>
                   <a:srgbClr val="00B050"/>
                 </a:solidFill>
               </a:rPr>
             </a:br>
             <a:r>
-              <a:rPr>
+              <a:rPr sz="2200">
                 <a:solidFill>
                   <a:srgbClr val="00B050"/>
                 </a:solidFill>
@@ -4291,7 +4347,7 @@
               <a:t>   SDKs/ sockets-API</a:t>
             </a:r>
             <a:r>
-              <a:rPr baseline="30000">
+              <a:rPr sz="2200" baseline="30000">
                 <a:solidFill>
                   <a:srgbClr val="00B050"/>
                 </a:solidFill>
@@ -4299,7 +4355,7 @@
               <a:t>(*)</a:t>
             </a:r>
             <a:r>
-              <a:rPr>
+              <a:rPr sz="2200">
                 <a:solidFill>
                   <a:srgbClr val="00B050"/>
                 </a:solidFill>
@@ -4307,7 +4363,7 @@
               <a:t>, QoS Diffserv/IntServ(RSVP)</a:t>
             </a:r>
             <a:r>
-              <a:rPr baseline="30000">
+              <a:rPr sz="2200" baseline="30000">
                 <a:solidFill>
                   <a:srgbClr val="00B050"/>
                 </a:solidFill>
@@ -4315,7 +4371,7 @@
               <a:t>(*)</a:t>
             </a:r>
             <a:r>
-              <a:rPr>
+              <a:rPr sz="2200">
                 <a:solidFill>
                   <a:srgbClr val="00B050"/>
                 </a:solidFill>
@@ -4323,7 +4379,7 @@
               <a:t>, ACLs</a:t>
             </a:r>
             <a:r>
-              <a:rPr baseline="30000">
+              <a:rPr sz="2200" baseline="30000">
                 <a:solidFill>
                   <a:srgbClr val="00B050"/>
                 </a:solidFill>
@@ -4331,7 +4387,7 @@
               <a:t>(*)</a:t>
             </a:r>
             <a:r>
-              <a:rPr>
+              <a:rPr sz="2200">
                 <a:solidFill>
                   <a:srgbClr val="00B050"/>
                 </a:solidFill>
@@ -4339,7 +4395,7 @@
               <a:t>, any IP L2 encaps</a:t>
             </a:r>
             <a:r>
-              <a:rPr baseline="30000">
+              <a:rPr sz="2200" baseline="30000">
                 <a:solidFill>
                   <a:srgbClr val="00B050"/>
                 </a:solidFill>
@@ -4347,7 +4403,7 @@
               <a:t>(*)</a:t>
             </a:r>
             <a:r>
-              <a:rPr>
+              <a:rPr sz="2200">
                 <a:solidFill>
                   <a:srgbClr val="00B050"/>
                 </a:solidFill>
@@ -4355,7 +4411,7 @@
               <a:t>, IPFIX</a:t>
             </a:r>
             <a:r>
-              <a:rPr baseline="30000">
+              <a:rPr sz="2200" baseline="30000">
                 <a:solidFill>
                   <a:srgbClr val="00B050"/>
                 </a:solidFill>
@@ -4363,7 +4419,7 @@
               <a:t>(*)</a:t>
             </a:r>
             <a:r>
-              <a:rPr>
+              <a:rPr sz="2200">
                 <a:solidFill>
                   <a:srgbClr val="00B050"/>
                 </a:solidFill>
@@ -4371,7 +4427,7 @@
               <a:t>, IPsec</a:t>
             </a:r>
             <a:r>
-              <a:rPr baseline="30000">
+              <a:rPr sz="2200" baseline="30000">
                 <a:solidFill>
                   <a:srgbClr val="00B050"/>
                 </a:solidFill>
@@ -4379,12 +4435,148 @@
               <a:t>(*)</a:t>
             </a:r>
             <a:r>
-              <a:rPr>
+              <a:rPr sz="2200">
                 <a:solidFill>
                   <a:srgbClr val="00B050"/>
                 </a:solidFill>
               </a:rPr>
               <a:t>, ..</a:t>
+            </a:r>
+            <a:endParaRPr sz="2200">
+              <a:solidFill>
+                <a:srgbClr val="00B050"/>
+              </a:solidFill>
+            </a:endParaRPr>
+          </a:p>
+          <a:p>
+            <a:pPr marL="457200" lvl="1" indent="0">
+              <a:buFont typeface="Arial"/>
+              <a:buNone/>
+              <a:defRPr/>
+            </a:pPr>
+            <a:r>
+              <a:rPr sz="2200"/>
+              <a:t>(*) </a:t>
+            </a:r>
+            <a:r>
+              <a:rPr sz="2200">
+                <a:solidFill>
+                  <a:srgbClr val="FF0000"/>
+                </a:solidFill>
+              </a:rPr>
+              <a:t>Most of this would all have to be reinvented / duplicated for BIER  </a:t>
+            </a:r>
+            <a:r>
+              <a:rPr sz="2200">
+                <a:solidFill>
+                  <a:srgbClr val="00B050"/>
+                </a:solidFill>
+              </a:rPr>
+              <a:t>but not for MSR6.</a:t>
+            </a:r>
+            <a:endParaRPr sz="2200"/>
+          </a:p>
+          <a:p>
+            <a:pPr marL="457200" lvl="1" indent="0">
+              <a:buFont typeface="Arial"/>
+              <a:buNone/>
+              <a:defRPr/>
+            </a:pPr>
+            <a:r>
+              <a:rPr sz="2200" i="1"/>
+              <a:t>Would  have put bitstrings into IPv6 addresses if they where long enough (e.g. Cisco drafts in BIER)!</a:t>
+            </a:r>
+            <a:endParaRPr sz="2200" i="1"/>
+          </a:p>
+          <a:p>
+            <a:pPr marL="0" indent="0">
+              <a:buFont typeface="Arial"/>
+              <a:buNone/>
+              <a:defRPr/>
+            </a:pPr>
+            <a:r>
+              <a:rPr/>
+              <a:t>1990th: We tried novel multicast routing (MOSPF, DMVPN, ...)</a:t>
+            </a:r>
+            <a:endParaRPr/>
+          </a:p>
+          <a:p>
+            <a:pPr marL="457200" lvl="1" indent="0">
+              <a:buFont typeface="Arial"/>
+              <a:buNone/>
+              <a:defRPr/>
+            </a:pPr>
+            <a:r>
+              <a:rPr sz="2200"/>
+              <a:t>Replaced by PIM + unicast routing (OSPF, ISIS, RIP,...)</a:t>
+            </a:r>
+            <a:r>
+              <a:rPr sz="2200"/>
+              <a:t> –  because: do not re-invent routing for multicast!</a:t>
+            </a:r>
+            <a:endParaRPr sz="2200"/>
+          </a:p>
+          <a:p>
+            <a:pPr marL="0" indent="0">
+              <a:buFont typeface="Arial"/>
+              <a:buNone/>
+              <a:defRPr/>
+            </a:pPr>
+            <a:r>
+              <a:rPr/>
+              <a:t>200x: IPv4 multicast MVPN solution for MPLS/VPN SP networks –</a:t>
+            </a:r>
+            <a:r>
+              <a:rPr sz="2400"/>
+              <a:t> additional forward/control!</a:t>
+            </a:r>
+            <a:endParaRPr/>
+          </a:p>
+          <a:p>
+            <a:pPr marL="457200" lvl="1" indent="0">
+              <a:buFont typeface="Arial"/>
+              <a:buNone/>
+              <a:defRPr/>
+            </a:pPr>
+            <a:r>
+              <a:rPr sz="2200"/>
+              <a:t>I</a:t>
+            </a:r>
+            <a:r>
+              <a:rPr sz="2200"/>
+              <a:t>Pv4 Multicast replaced by native MPLS multicast (mLDP/RSVP-TE/P2P)</a:t>
+            </a:r>
+            <a:endParaRPr sz="2200"/>
+          </a:p>
+          <a:p>
+            <a:pPr marL="457200" lvl="1" indent="0">
+              <a:buFont typeface="Arial"/>
+              <a:buNone/>
+              <a:defRPr/>
+            </a:pPr>
+            <a:r>
+              <a:rPr sz="2200"/>
+              <a:t>PIM/MVPN signaling replaced by BGP/MVPN signaling – because: we want a single protocol!</a:t>
+            </a:r>
+            <a:endParaRPr sz="2200"/>
+          </a:p>
+          <a:p>
+            <a:pPr marL="0" lvl="0" indent="0">
+              <a:buFont typeface="Arial"/>
+              <a:buNone/>
+              <a:defRPr/>
+            </a:pPr>
+            <a:r>
+              <a:rPr/>
+              <a:t>IMHO: </a:t>
+            </a:r>
+            <a:r>
+              <a:rPr>
+                <a:solidFill>
+                  <a:srgbClr val="00B050"/>
+                </a:solidFill>
+              </a:rPr>
+              <a:t>BIER driven by MPLS SP use-cases (MPLS/MVPN). Well aligned/integrated there!</a:t>
             </a:r>
             <a:endParaRPr>
               <a:solidFill>
@@ -4399,138 +4591,6 @@
               <a:defRPr/>
             </a:pPr>
             <a:r>
-              <a:rPr/>
-              <a:t>(*) </a:t>
-            </a:r>
-            <a:r>
-              <a:rPr>
-                <a:solidFill>
-                  <a:srgbClr val="FF0000"/>
-                </a:solidFill>
-              </a:rPr>
-              <a:t>Most of this would all have to be reinvented / duplicated for BIER  </a:t>
-            </a:r>
-            <a:r>
-              <a:rPr>
-                <a:solidFill>
-                  <a:srgbClr val="00B050"/>
-                </a:solidFill>
-              </a:rPr>
-              <a:t>but not for MSR6.</a:t>
-            </a:r>
-            <a:endParaRPr/>
-          </a:p>
-          <a:p>
-            <a:pPr marL="457200" lvl="1" indent="0">
-              <a:buFont typeface="Arial"/>
-              <a:buNone/>
-              <a:defRPr/>
-            </a:pPr>
-            <a:r>
-              <a:rPr i="1"/>
-              <a:t>Would  have put bitstrings into IPv6 addresses if they where long enough (e.g. Cisco drafts in BIER)!</a:t>
-            </a:r>
-            <a:endParaRPr i="1"/>
-          </a:p>
-          <a:p>
-            <a:pPr marL="0" indent="0">
-              <a:buFont typeface="Arial"/>
-              <a:buNone/>
-              <a:defRPr/>
-            </a:pPr>
-            <a:r>
-              <a:rPr/>
-              <a:t>1990th: We tried novel multicast routing (MOSPF, DMVPN, ...)</a:t>
-            </a:r>
-            <a:endParaRPr/>
-          </a:p>
-          <a:p>
-            <a:pPr marL="457200" lvl="1" indent="0">
-              <a:buFont typeface="Arial"/>
-              <a:buNone/>
-              <a:defRPr/>
-            </a:pPr>
-            <a:r>
-              <a:rPr/>
-              <a:t>Replaced by PIM + unicast routing (OSPF, ISIS, RIP,...)</a:t>
-            </a:r>
-            <a:r>
-              <a:rPr/>
-              <a:t> – do not re-invent routing for multicast!</a:t>
-            </a:r>
-            <a:endParaRPr/>
-          </a:p>
-          <a:p>
-            <a:pPr marL="0" indent="0">
-              <a:buFont typeface="Arial"/>
-              <a:buNone/>
-              <a:defRPr/>
-            </a:pPr>
-            <a:r>
-              <a:rPr/>
-              <a:t>200x: IPv4 multicast MVPN solution for MPLS/VPN SP networks –</a:t>
-            </a:r>
-            <a:r>
-              <a:rPr sz="2400"/>
-              <a:t> additional forward/control!</a:t>
-            </a:r>
-            <a:endParaRPr/>
-          </a:p>
-          <a:p>
-            <a:pPr marL="457200" lvl="1" indent="0">
-              <a:buFont typeface="Arial"/>
-              <a:buNone/>
-              <a:defRPr/>
-            </a:pPr>
-            <a:r>
-              <a:rPr/>
-              <a:t>IPv4 Multicast replaced by native MPLS multicast (mLDP/RSVP-TE/P2P)</a:t>
-            </a:r>
-            <a:endParaRPr/>
-          </a:p>
-          <a:p>
-            <a:pPr marL="457200" lvl="1" indent="0">
-              <a:buFont typeface="Arial"/>
-              <a:buNone/>
-              <a:defRPr/>
-            </a:pPr>
-            <a:r>
-              <a:rPr/>
-              <a:t>PIM/MVPN signaling replaced by BGP/MVPN signaling</a:t>
-            </a:r>
-            <a:endParaRPr/>
-          </a:p>
-          <a:p>
-            <a:pPr marL="0" lvl="0" indent="0">
-              <a:buFont typeface="Arial"/>
-              <a:buNone/>
-              <a:defRPr/>
-            </a:pPr>
-            <a:r>
-              <a:rPr/>
-              <a:t>IMHO: </a:t>
-            </a:r>
-            <a:r>
-              <a:rPr>
-                <a:solidFill>
-                  <a:srgbClr val="00B050"/>
-                </a:solidFill>
-              </a:rPr>
-              <a:t>BIER driven by MPLS SP use-cases (MPLS/MVPN). Well aligned/integrated there!</a:t>
-            </a:r>
-            <a:endParaRPr>
-              <a:solidFill>
-                <a:srgbClr val="00B050"/>
-              </a:solidFill>
-            </a:endParaRPr>
-          </a:p>
-          <a:p>
-            <a:pPr marL="457200" lvl="1" indent="0">
-              <a:buFont typeface="Arial"/>
-              <a:buNone/>
-              <a:defRPr/>
-            </a:pPr>
-            <a:r>
               <a:rPr sz="2800">
                 <a:solidFill>
                   <a:srgbClr val="FF0000"/>
@@ -4556,7 +4616,7 @@
                   <a:srgbClr val="FF0000"/>
                 </a:solidFill>
               </a:rPr>
-              <a:t>Non-MPLS networks do not want/need an additional BIER ecosystem </a:t>
+              <a:t>Non-MPLS networks do not want or need an additional BIER ecosystem </a:t>
             </a:r>
             <a:endParaRPr sz="2800"/>
           </a:p>
@@ -4572,7 +4632,7 @@
         </p:nvCxnSpPr>
         <p:spPr bwMode="auto">
           <a:xfrm flipH="0" flipV="1">
-            <a:off x="430249" y="2206624"/>
+            <a:off x="430248" y="2266908"/>
             <a:ext cx="11556999" cy="15874"/>
           </a:xfrm>
           <a:prstGeom prst="line">
@@ -4613,7 +4673,7 @@
         </p:nvCxnSpPr>
         <p:spPr bwMode="auto">
           <a:xfrm flipH="0" flipV="1">
-            <a:off x="430248" y="5429250"/>
+            <a:off x="430247" y="5549819"/>
             <a:ext cx="11556999" cy="15873"/>
           </a:xfrm>
           <a:prstGeom prst="line">
@@ -4693,7 +4753,7 @@
         </p:nvSpPr>
         <p:spPr bwMode="auto">
           <a:xfrm flipH="0" flipV="0">
-            <a:off x="430248" y="1158874"/>
+            <a:off x="430247" y="1158874"/>
             <a:ext cx="11620500" cy="5460999"/>
           </a:xfrm>
           <a:prstGeom prst="rect">
@@ -4735,7 +4795,7 @@
         </p:nvCxnSpPr>
         <p:spPr bwMode="auto">
           <a:xfrm flipH="0" flipV="1">
-            <a:off x="453685" y="4460873"/>
+            <a:off x="453684" y="4521157"/>
             <a:ext cx="11556999" cy="15873"/>
           </a:xfrm>
           <a:prstGeom prst="line">
@@ -4810,9 +4870,9 @@
           </p:nvPr>
         </p:nvSpPr>
         <p:spPr bwMode="auto">
-          <a:xfrm>
-            <a:off x="473074" y="-358667"/>
-            <a:ext cx="10515600" cy="1325562"/>
+          <a:xfrm flipH="0" flipV="0">
+            <a:off x="361948" y="-358666"/>
+            <a:ext cx="10626724" cy="1325561"/>
           </a:xfrm>
         </p:spPr>
         <p:txBody>
@@ -4885,20 +4945,98 @@
         </p:spPr>
         <p:txBody>
           <a:bodyPr vertOverflow="overflow" horzOverflow="clip" vert="horz" wrap="square" lIns="91440" tIns="45720" rIns="91440" bIns="45720" numCol="1" spcCol="0" rtlCol="0" fromWordArt="0" anchor="t" anchorCtr="0" forceAA="0" upright="0" compatLnSpc="0">
-            <a:normAutofit fontScale="75000" lnSpcReduction="5000"/>
+            <a:normAutofit fontScale="70000" lnSpcReduction="6000"/>
           </a:bodyPr>
           <a:lstStyle/>
           <a:p>
+            <a:pPr marL="0" lvl="0" indent="0">
+              <a:buFont typeface="Arial"/>
+              <a:buNone/>
+              <a:defRPr/>
+            </a:pPr>
+            <a:r>
+              <a:rPr lang="en-US" sz="3600" b="0" i="0" u="none" strike="noStrike" cap="none" spc="0">
+                <a:solidFill>
+                  <a:schemeClr val="tx1"/>
+                </a:solidFill>
+                <a:latin typeface="+mn-lt"/>
+                <a:ea typeface="+mn-ea"/>
+                <a:cs typeface="+mn-cs"/>
+              </a:rPr>
+              <a:t>BIER or native IPv6/MSR6: Scale and Convergence</a:t>
+            </a:r>
+            <a:endParaRPr sz="3600"/>
+          </a:p>
+          <a:p>
+            <a:pPr marL="400050" lvl="1" indent="0">
+              <a:buFont typeface="Arial"/>
+              <a:buNone/>
+              <a:defRPr/>
+            </a:pPr>
+            <a:r>
+              <a:rPr lang="en-US" sz="2800" b="0" i="0" u="none" strike="noStrike" cap="none" spc="0">
+                <a:solidFill>
+                  <a:schemeClr val="tx1"/>
+                </a:solidFill>
+                <a:latin typeface="+mn-lt"/>
+                <a:ea typeface="+mn-ea"/>
+                <a:cs typeface="+mn-cs"/>
+              </a:rPr>
+              <a:t>Finance / Telemetry / Content distribution / adaptive streaming would require</a:t>
+            </a:r>
+            <a:br>
+              <a:rPr lang="en-US" sz="2800" b="0" i="0" u="none" strike="noStrike" cap="none" spc="0">
+                <a:solidFill>
+                  <a:schemeClr val="tx1"/>
+                </a:solidFill>
+                <a:latin typeface="+mn-lt"/>
+                <a:ea typeface="+mn-ea"/>
+                <a:cs typeface="+mn-cs"/>
+              </a:rPr>
+            </a:br>
+            <a:r>
+              <a:rPr lang="en-US" sz="2800" b="0" i="0" u="none" strike="noStrike" cap="none" spc="0">
+                <a:solidFill>
+                  <a:srgbClr val="FF0000"/>
+                </a:solidFill>
+                <a:latin typeface="+mn-lt"/>
+                <a:ea typeface="+mn-ea"/>
+                <a:cs typeface="+mn-cs"/>
+              </a:rPr>
+              <a:t>hundreds of thousands of multicast states. Can not create, re-converge, operate!</a:t>
+            </a:r>
+            <a:endParaRPr lang="en-US" sz="2800" b="0" i="0" u="none" strike="noStrike" cap="none" spc="0">
+              <a:solidFill>
+                <a:srgbClr val="FF0000"/>
+              </a:solidFill>
+              <a:latin typeface="Arial"/>
+              <a:ea typeface="Arial"/>
+              <a:cs typeface="Arial"/>
+            </a:endParaRPr>
+          </a:p>
+          <a:p>
+            <a:pPr marL="400050" lvl="1" indent="0">
+              <a:buFont typeface="Arial"/>
+              <a:buNone/>
+              <a:defRPr/>
+            </a:pPr>
+            <a:endParaRPr sz="2800">
+              <a:solidFill>
+                <a:srgbClr val="FF0000"/>
+              </a:solidFill>
+            </a:endParaRPr>
+          </a:p>
+          <a:p>
             <a:pPr marL="0" indent="0">
               <a:buFont typeface="Arial"/>
               <a:buNone/>
               <a:defRPr/>
             </a:pPr>
             <a:r>
-              <a:rPr/>
-              <a:t>Operational simplicity (troubleshooting), safety, reliability</a:t>
-            </a:r>
-            <a:endParaRPr/>
+              <a:rPr sz="3600"/>
+              <a:t>Native IPv6/MSR6: Operational simplicity (troubleshooting), safety, reliability</a:t>
+            </a:r>
+            <a:endParaRPr sz="3600"/>
           </a:p>
           <a:p>
             <a:pPr marL="457200" lvl="1" indent="0">
@@ -5029,55 +5167,10 @@
               <a:defRPr/>
             </a:pPr>
             <a:r>
-              <a:rPr/>
-              <a:t>Scale and Convergence</a:t>
-            </a:r>
-            <a:endParaRPr/>
-          </a:p>
-          <a:p>
-            <a:pPr marL="457200" lvl="1" indent="0">
-              <a:buFont typeface="Arial"/>
-              <a:buNone/>
-              <a:defRPr/>
-            </a:pPr>
-            <a:r>
-              <a:rPr sz="2600"/>
-              <a:t>Finance / Telemetry / Content distribution / adaptive streaming would require</a:t>
-            </a:r>
-            <a:br>
-              <a:rPr/>
-            </a:br>
-            <a:r>
-              <a:rPr sz="2600">
-                <a:solidFill>
-                  <a:srgbClr val="FF0000"/>
-                </a:solidFill>
-              </a:rPr>
-              <a:t>hundreds of thousands of multicast states. Can not create, re-converge, operate!</a:t>
-            </a:r>
-            <a:endParaRPr sz="2600">
-              <a:solidFill>
-                <a:srgbClr val="FF0000"/>
-              </a:solidFill>
-            </a:endParaRPr>
-          </a:p>
-          <a:p>
-            <a:pPr lvl="1">
-              <a:defRPr/>
-            </a:pPr>
-            <a:endParaRPr/>
-          </a:p>
-          <a:p>
-            <a:pPr marL="0" lvl="0" indent="0">
-              <a:buFont typeface="Arial"/>
-              <a:buNone/>
-              <a:defRPr/>
-            </a:pPr>
-            <a:r>
-              <a:rPr/>
-              <a:t>Additional new multicast paradigm for applications</a:t>
-            </a:r>
-            <a:endParaRPr/>
+              <a:rPr sz="3600"/>
+              <a:t>Native IPv6/MSR6: Additional new multicast paradigm for applications</a:t>
+            </a:r>
+            <a:endParaRPr sz="3600"/>
           </a:p>
           <a:p>
             <a:pPr marL="457200" lvl="1" indent="0">
@@ -5119,11 +5212,7 @@
                   <a:srgbClr val="FF0000"/>
                 </a:solidFill>
               </a:rPr>
-              <a:t>DIRECT EVERY PACKET SEPARATELY</a:t>
-            </a:r>
-            <a:r>
-              <a:rPr sz="2200"/>
-              <a:t> across different paths to different receivers</a:t>
+              <a:t>DIRECT EVERY PACKET SEPARATELY – Destinations (and Path – with TE model)</a:t>
             </a:r>
             <a:endParaRPr sz="2200"/>
           </a:p>
@@ -5134,7 +5223,7 @@
               <a:defRPr/>
             </a:pPr>
             <a:r>
-              <a:rPr sz="2200"/>
+              <a:rPr sz="2000" i="1"/>
               <a:t>Only way to enable e.g.: adaptive streaming at scale via multicast</a:t>
             </a:r>
             <a:endParaRPr sz="2200"/>
@@ -5174,14 +5263,14 @@
               <a:defRPr/>
             </a:pPr>
             <a:r>
-              <a:rPr sz="2400">
+              <a:rPr sz="2200" i="1">
                 <a:solidFill>
                   <a:srgbClr val="FF0000"/>
                 </a:solidFill>
               </a:rPr>
               <a:t>Prior multicast socket extensions took almost 20 years (e.g.: SSM)</a:t>
             </a:r>
-            <a:endParaRPr sz="2400"/>
+            <a:endParaRPr sz="2200" i="1"/>
           </a:p>
           <a:p>
             <a:pPr marL="914400" lvl="2" indent="0">
@@ -5190,7 +5279,7 @@
               <a:defRPr/>
             </a:pPr>
             <a:r>
-              <a:rPr sz="2400">
+              <a:rPr sz="2200" i="1">
                 <a:solidFill>
                   <a:srgbClr val="00B050"/>
                 </a:solidFill>
@@ -5198,7 +5287,7 @@
               <a:t>IPv6 extension header API already defined since 2003 </a:t>
             </a:r>
             <a:r>
-              <a:rPr sz="2800">
+              <a:rPr sz="2600" i="1">
                 <a:solidFill>
                   <a:srgbClr val="00B050"/>
                 </a:solidFill>
@@ -5206,7 +5295,7 @@
               <a:t>(</a:t>
             </a:r>
             <a:r>
-              <a:rPr lang="en-US" sz="2400" b="0" i="0" u="none" strike="noStrike" cap="none" spc="0">
+              <a:rPr lang="en-US" sz="2200" b="0" i="1" u="none" strike="noStrike" cap="none" spc="0">
                 <a:solidFill>
                   <a:srgbClr val="00B050"/>
                 </a:solidFill>
@@ -5217,7 +5306,7 @@
               <a:t>RFC3542)</a:t>
             </a:r>
             <a:r>
-              <a:rPr sz="2800">
+              <a:rPr sz="2600" i="1">
                 <a:solidFill>
                   <a:srgbClr val="00B050"/>
                 </a:solidFill>
@@ -5225,14 +5314,14 @@
               <a:t> </a:t>
             </a:r>
             <a:r>
-              <a:rPr sz="2400">
+              <a:rPr sz="2200" i="1">
                 <a:solidFill>
                   <a:srgbClr val="FF0000"/>
                 </a:solidFill>
               </a:rPr>
               <a:t>(no BIER API work)</a:t>
             </a:r>
-            <a:endParaRPr sz="2200">
+            <a:endParaRPr sz="2000" i="1">
               <a:solidFill>
                 <a:srgbClr val="FF0000"/>
               </a:solidFill>
@@ -5257,6 +5346,3312 @@
 </file>
 
 <file path=ppt/slides/slide6.xml><?xml version="1.0" encoding="utf-8"?>
+<p:sld xmlns:a="http://schemas.openxmlformats.org/drawingml/2006/main" xmlns:r="http://schemas.openxmlformats.org/officeDocument/2006/relationships" xmlns:p="http://schemas.openxmlformats.org/presentationml/2006/main" xmlns:m="http://schemas.openxmlformats.org/officeDocument/2006/math" xmlns:w="http://schemas.openxmlformats.org/wordprocessingml/2006/main" showMasterPhAnim="0" show="1">
+  <p:cSld name="">
+    <p:spTree>
+      <p:nvGrpSpPr>
+        <p:cNvPr id="1" name="" hidden="0"/>
+        <p:cNvGrpSpPr/>
+        <p:nvPr isPhoto="0" userDrawn="0"/>
+      </p:nvGrpSpPr>
+      <p:grpSpPr bwMode="auto">
+        <a:xfrm>
+          <a:off x="0" y="0"/>
+          <a:ext cx="0" cy="0"/>
+          <a:chOff x="0" y="0"/>
+          <a:chExt cx="0" cy="0"/>
+        </a:xfrm>
+      </p:grpSpPr>
+      <p:sp>
+        <p:nvSpPr>
+          <p:cNvPr id="1684433938" name="" hidden="0"/>
+          <p:cNvSpPr/>
+          <p:nvPr isPhoto="0" userDrawn="0"/>
+        </p:nvSpPr>
+        <p:spPr bwMode="auto">
+          <a:xfrm flipH="0" flipV="0">
+            <a:off x="7970874" y="1635124"/>
+            <a:ext cx="4064000" cy="4032249"/>
+          </a:xfrm>
+          <a:prstGeom prst="roundRect">
+            <a:avLst>
+              <a:gd name="adj" fmla="val 6299"/>
+            </a:avLst>
+          </a:prstGeom>
+          <a:solidFill>
+            <a:schemeClr val="accent1">
+              <a:lumMod val="20000"/>
+              <a:lumOff val="80000"/>
+            </a:schemeClr>
+          </a:solidFill>
+          <a:ln w="12700" cap="flat" cmpd="sng" algn="ctr">
+            <a:noFill/>
+            <a:prstDash val="solid"/>
+            <a:miter/>
+          </a:ln>
+        </p:spPr>
+        <p:style>
+          <a:lnRef idx="2">
+            <a:schemeClr val="accent1">
+              <a:shade val="50000"/>
+            </a:schemeClr>
+          </a:lnRef>
+          <a:fillRef idx="1">
+            <a:schemeClr val="accent1"/>
+          </a:fillRef>
+          <a:effectRef idx="0">
+            <a:schemeClr val="accent1"/>
+          </a:effectRef>
+          <a:fontRef idx="minor">
+            <a:schemeClr val="lt1"/>
+          </a:fontRef>
+        </p:style>
+      </p:sp>
+      <p:sp>
+        <p:nvSpPr>
+          <p:cNvPr id="2019562321" name="Title 1" hidden="0"/>
+          <p:cNvSpPr>
+            <a:spLocks noGrp="1"/>
+          </p:cNvSpPr>
+          <p:nvPr isPhoto="0" userDrawn="0">
+            <p:ph type="title" hasCustomPrompt="0"/>
+          </p:nvPr>
+        </p:nvSpPr>
+        <p:spPr bwMode="auto">
+          <a:xfrm flipH="0" flipV="0">
+            <a:off x="350885" y="47624"/>
+            <a:ext cx="11002912" cy="760555"/>
+          </a:xfrm>
+        </p:spPr>
+        <p:txBody>
+          <a:bodyPr vertOverflow="overflow" horzOverflow="clip" vert="horz" wrap="square" lIns="91440" tIns="45720" rIns="91440" bIns="45720" numCol="1" spcCol="0" rtlCol="0" fromWordArt="0" anchor="ctr" anchorCtr="0" forceAA="0" upright="0" compatLnSpc="0">
+            <a:normAutofit fontScale="90000" lnSpcReduction="2000"/>
+          </a:bodyPr>
+          <a:lstStyle/>
+          <a:p>
+            <a:pPr>
+              <a:defRPr/>
+            </a:pPr>
+            <a:r>
+              <a:rPr sz="3600"/>
+              <a:t>Result 1: Network centric core MSR6 arch reqs./goals</a:t>
+            </a:r>
+            <a:br>
+              <a:rPr/>
+            </a:br>
+            <a:r>
+              <a:rPr sz="2600"/>
+              <a:t>Expressed as Diffs over BIER</a:t>
+            </a:r>
+            <a:endParaRPr/>
+          </a:p>
+        </p:txBody>
+      </p:sp>
+      <p:sp>
+        <p:nvSpPr>
+          <p:cNvPr id="976068332" name="Content Placeholder 2" hidden="0"/>
+          <p:cNvSpPr>
+            <a:spLocks noGrp="1"/>
+          </p:cNvSpPr>
+          <p:nvPr isPhoto="0" userDrawn="0">
+            <p:ph idx="1" hasCustomPrompt="0"/>
+          </p:nvPr>
+        </p:nvSpPr>
+        <p:spPr bwMode="auto">
+          <a:xfrm flipH="0" flipV="0">
+            <a:off x="381111" y="966481"/>
+            <a:ext cx="7715431" cy="5707447"/>
+          </a:xfrm>
+        </p:spPr>
+        <p:txBody>
+          <a:bodyPr vertOverflow="overflow" horzOverflow="clip" vert="horz" wrap="square" lIns="91440" tIns="45720" rIns="91440" bIns="45720" numCol="1" spcCol="0" rtlCol="0" fromWordArt="0" anchor="t" anchorCtr="0" forceAA="0" upright="0" compatLnSpc="0">
+            <a:normAutofit/>
+          </a:bodyPr>
+          <a:lstStyle/>
+          <a:p>
+            <a:pPr marL="0" indent="0">
+              <a:buFont typeface="Arial"/>
+              <a:buNone/>
+              <a:defRPr/>
+            </a:pPr>
+            <a:r>
+              <a:rPr sz="1800"/>
+              <a:t>For native IPv6 networks </a:t>
+            </a:r>
+            <a:endParaRPr sz="1800"/>
+          </a:p>
+          <a:p>
+            <a:pPr marL="400050" lvl="1" indent="0">
+              <a:buFont typeface="Arial"/>
+              <a:buNone/>
+              <a:defRPr/>
+            </a:pPr>
+            <a:r>
+              <a:rPr sz="1400"/>
+              <a:t>With or without SRv6: </a:t>
+            </a:r>
+            <a:r>
+              <a:rPr sz="1400"/>
+              <a:t>Reuse existing native IPv6, where ever possible</a:t>
+            </a:r>
+            <a:endParaRPr sz="1400"/>
+          </a:p>
+          <a:p>
+            <a:pPr marL="400050" lvl="1" indent="0">
+              <a:buFont typeface="Arial"/>
+              <a:buNone/>
+              <a:defRPr/>
+            </a:pPr>
+            <a:r>
+              <a:rPr sz="1400"/>
+              <a:t>Common: Core network centric requirements from SP services design (e.g.: MVPN, IPTV). </a:t>
+            </a:r>
+            <a:endParaRPr sz="1400"/>
+          </a:p>
+          <a:p>
+            <a:pPr marL="0" lvl="0" indent="0">
+              <a:buFont typeface="Arial"/>
+              <a:buNone/>
+              <a:defRPr/>
+            </a:pPr>
+            <a:r>
+              <a:rPr sz="1800">
+                <a:solidFill>
+                  <a:srgbClr val="FF0000"/>
+                </a:solidFill>
+              </a:rPr>
+              <a:t>Native IPv6 source routing hp-by-hop, end-to-end</a:t>
+            </a:r>
+            <a:r>
+              <a:rPr sz="1800">
+                <a:solidFill>
+                  <a:srgbClr val="FF0000"/>
+                </a:solidFill>
+              </a:rPr>
+              <a:t> </a:t>
+            </a:r>
+            <a:br>
+              <a:rPr sz="1600">
+                <a:solidFill>
+                  <a:srgbClr val="FF0000"/>
+                </a:solidFill>
+              </a:rPr>
+            </a:br>
+            <a:r>
+              <a:rPr sz="1800">
+                <a:solidFill>
+                  <a:srgbClr val="FF0000"/>
+                </a:solidFill>
+              </a:rPr>
+              <a:t>Native IPv6 multicast, hop-by-hop, end-to-end</a:t>
+            </a:r>
+            <a:endParaRPr sz="1400">
+              <a:solidFill>
+                <a:srgbClr val="FF0000"/>
+              </a:solidFill>
+            </a:endParaRPr>
+          </a:p>
+          <a:p>
+            <a:pPr marL="400050" lvl="1" indent="0">
+              <a:buFont typeface="Arial"/>
+              <a:buNone/>
+              <a:defRPr/>
+            </a:pPr>
+            <a:r>
+              <a:rPr sz="1400">
+                <a:solidFill>
+                  <a:srgbClr val="FF0000"/>
+                </a:solidFill>
+              </a:rPr>
+              <a:t>Apply  RFC8200 rules hop-by-hop – </a:t>
+            </a:r>
+            <a:r>
+              <a:rPr sz="1200">
+                <a:solidFill>
+                  <a:srgbClr val="FF0000"/>
+                </a:solidFill>
+              </a:rPr>
+              <a:t>applicable to IPv6 multicast</a:t>
+            </a:r>
+            <a:r>
+              <a:rPr sz="1200">
+                <a:solidFill>
+                  <a:srgbClr val="FF0000"/>
+                </a:solidFill>
+              </a:rPr>
+              <a:t> and/or IPv6 source-routing</a:t>
+            </a:r>
+            <a:endParaRPr sz="1200"/>
+          </a:p>
+          <a:p>
+            <a:pPr marL="400050" lvl="1" indent="0">
+              <a:buFont typeface="Arial"/>
+              <a:buNone/>
+              <a:defRPr/>
+            </a:pPr>
+            <a:r>
+              <a:rPr lang="en-US" sz="1400" b="0" i="0" u="none" strike="noStrike" cap="none" spc="0">
+                <a:solidFill>
+                  <a:srgbClr val="FF0000"/>
+                </a:solidFill>
+                <a:latin typeface="+mn-lt"/>
+                <a:ea typeface="+mn-ea"/>
+                <a:cs typeface="+mn-cs"/>
+              </a:rPr>
+              <a:t>Replace only replication/state rules - not part of RFC8200, but PIM</a:t>
+            </a:r>
+            <a:endParaRPr sz="1400">
+              <a:solidFill>
+                <a:srgbClr val="FF0000"/>
+              </a:solidFill>
+            </a:endParaRPr>
+          </a:p>
+          <a:p>
+            <a:pPr marL="0" lvl="0" indent="0">
+              <a:buFont typeface="Arial"/>
+              <a:buNone/>
+              <a:defRPr/>
+            </a:pPr>
+            <a:r>
+              <a:rPr sz="1800"/>
+              <a:t>Day 1 support for path steering and Strict + Loose hops</a:t>
+            </a:r>
+            <a:endParaRPr sz="1800"/>
+          </a:p>
+          <a:p>
+            <a:pPr marL="400050" lvl="1" indent="0">
+              <a:buFont typeface="Arial"/>
+              <a:buNone/>
+              <a:defRPr/>
+            </a:pPr>
+            <a:r>
+              <a:rPr sz="1400"/>
+              <a:t>Best support for incremental adoption</a:t>
+            </a:r>
+            <a:endParaRPr sz="1400"/>
+          </a:p>
+          <a:p>
+            <a:pPr marL="0" lvl="0" indent="0">
+              <a:buFont typeface="Arial"/>
+              <a:buNone/>
+              <a:defRPr/>
+            </a:pPr>
+            <a:r>
+              <a:rPr sz="1800"/>
+              <a:t>More scalable BE and TE (path steering) modes</a:t>
+            </a:r>
+            <a:endParaRPr sz="1800"/>
+          </a:p>
+          <a:p>
+            <a:pPr marL="400050" lvl="1" indent="0">
+              <a:buFont typeface="Arial"/>
+              <a:buNone/>
+              <a:defRPr/>
+            </a:pPr>
+            <a:r>
+              <a:rPr sz="1400"/>
+              <a:t>BIER “flat bitstring” scale limitation for large networks – BIER-TE but also BIER!</a:t>
+            </a:r>
+            <a:endParaRPr sz="1400"/>
+          </a:p>
+          <a:p>
+            <a:pPr marL="800100" lvl="2" indent="0">
+              <a:buFont typeface="Arial"/>
+              <a:buNone/>
+              <a:defRPr/>
+            </a:pPr>
+            <a:r>
+              <a:rPr sz="1000" i="1"/>
+              <a:t>See draft-eckert-msr6-rbs for explanations</a:t>
+            </a:r>
+            <a:endParaRPr sz="1400" i="1"/>
+          </a:p>
+          <a:p>
+            <a:pPr marL="400050" lvl="1" indent="0">
+              <a:buFont typeface="Arial"/>
+              <a:buNone/>
+              <a:defRPr/>
+            </a:pPr>
+            <a:r>
+              <a:rPr sz="1400"/>
+              <a:t>BIER-</a:t>
+            </a:r>
+            <a:r>
+              <a:rPr lang="en-US" sz="1400" b="0" i="0" u="none" strike="noStrike" cap="none" spc="0">
+                <a:solidFill>
+                  <a:schemeClr val="tx1"/>
+                </a:solidFill>
+                <a:latin typeface="+mn-lt"/>
+                <a:ea typeface="+mn-ea"/>
+                <a:cs typeface="+mn-cs"/>
+              </a:rPr>
+              <a:t>TE had to re-use BIER forwarding plane as much as possible</a:t>
+            </a:r>
+            <a:endParaRPr sz="1400"/>
+          </a:p>
+          <a:p>
+            <a:pPr marL="400050" lvl="1" indent="0">
+              <a:buFont typeface="Arial"/>
+              <a:buNone/>
+              <a:defRPr/>
+            </a:pPr>
+            <a:r>
+              <a:rPr sz="1400"/>
+              <a:t>Forwarding planes now can do better!</a:t>
+            </a:r>
+            <a:endParaRPr sz="1400"/>
+          </a:p>
+          <a:p>
+            <a:pPr marL="0" lvl="0" indent="0">
+              <a:buFont typeface="Arial"/>
+              <a:buNone/>
+              <a:defRPr/>
+            </a:pPr>
+            <a:r>
+              <a:rPr sz="1800"/>
+              <a:t>Integrated support for service guarantees beyond best-effort</a:t>
+            </a:r>
+            <a:endParaRPr sz="1800"/>
+          </a:p>
+          <a:p>
+            <a:pPr marL="400050" lvl="1" indent="0">
+              <a:buFont typeface="Arial"/>
+              <a:buNone/>
+              <a:defRPr/>
+            </a:pPr>
+            <a:r>
+              <a:rPr sz="1400"/>
+              <a:t>Latency, throughput, loss-protection</a:t>
+            </a:r>
+            <a:endParaRPr sz="1400"/>
+          </a:p>
+          <a:p>
+            <a:pPr marL="400050" lvl="1" indent="0">
+              <a:buFont typeface="Arial"/>
+              <a:buNone/>
+              <a:defRPr/>
+            </a:pPr>
+            <a:r>
+              <a:rPr sz="1400"/>
+              <a:t>E.g.: support for DetNet natively with MSR6</a:t>
+            </a:r>
+            <a:br>
+              <a:rPr sz="1400"/>
+            </a:br>
+            <a:r>
+              <a:rPr sz="1400"/>
+              <a:t>not on top of MPLS/BIER + UDP end-to-end tunnels</a:t>
+            </a:r>
+            <a:endParaRPr sz="1400"/>
+          </a:p>
+          <a:p>
+            <a:pPr marL="0" marR="0" lvl="0" indent="0" algn="l" defTabSz="914400">
+              <a:lnSpc>
+                <a:spcPct val="90000"/>
+              </a:lnSpc>
+              <a:spcBef>
+                <a:spcPts val="999"/>
+              </a:spcBef>
+              <a:spcAft>
+                <a:spcPts val="0"/>
+              </a:spcAft>
+              <a:buFont typeface="Arial"/>
+              <a:buNone/>
+              <a:defRPr lang="en-US" sz="2800" b="0" i="0" u="none" strike="noStrike" cap="none" spc="0">
+                <a:solidFill>
+                  <a:srgbClr val="000000"/>
+                </a:solidFill>
+                <a:latin typeface="Arial"/>
+                <a:ea typeface="Arial"/>
+                <a:cs typeface="Arial"/>
+              </a:defRPr>
+            </a:pPr>
+            <a:r>
+              <a:rPr lang="en-US" sz="1800" b="0" i="0" u="none" strike="noStrike" cap="none" spc="0">
+                <a:solidFill>
+                  <a:srgbClr val="000000"/>
+                </a:solidFill>
+                <a:latin typeface="Arial"/>
+                <a:ea typeface="Arial"/>
+                <a:cs typeface="Arial"/>
+              </a:rPr>
+              <a:t>Terminology</a:t>
+            </a:r>
+            <a:endParaRPr sz="1400"/>
+          </a:p>
+          <a:p>
+            <a:pPr marL="400050" lvl="1" indent="0">
+              <a:buFont typeface="Arial"/>
+              <a:buNone/>
+              <a:defRPr/>
+            </a:pPr>
+            <a:r>
+              <a:rPr lang="en-US" sz="1400" b="0" i="0" u="none" strike="noStrike" cap="none" spc="0">
+                <a:solidFill>
+                  <a:srgbClr val="000000"/>
+                </a:solidFill>
+                <a:latin typeface="Arial"/>
+                <a:ea typeface="Arial"/>
+                <a:cs typeface="Arial"/>
+              </a:rPr>
+              <a:t>BIER: BFR, BFIR, BFER (BIER) -&gt; MSR6: MSR, MSIR, MSER</a:t>
+            </a:r>
+            <a:endParaRPr sz="1400"/>
+          </a:p>
+        </p:txBody>
+      </p:sp>
+      <p:sp>
+        <p:nvSpPr>
+          <p:cNvPr id="1170162468" name="" hidden="0"/>
+          <p:cNvSpPr txBox="1"/>
+          <p:nvPr isPhoto="0" userDrawn="0"/>
+        </p:nvSpPr>
+        <p:spPr bwMode="auto">
+          <a:xfrm flipH="0" flipV="0">
+            <a:off x="9927009" y="904152"/>
+            <a:ext cx="767487" cy="365795"/>
+          </a:xfrm>
+          <a:prstGeom prst="rect">
+            <a:avLst/>
+          </a:prstGeom>
+          <a:noFill/>
+          <a:ln w="19049">
+            <a:solidFill>
+              <a:schemeClr val="accent1">
+                <a:lumMod val="50196"/>
+              </a:schemeClr>
+            </a:solidFill>
+            <a:prstDash val="solid"/>
+          </a:ln>
+        </p:spPr>
+        <p:txBody>
+          <a:bodyPr vertOverflow="overflow" horzOverflow="clip" vert="horz" wrap="square" lIns="91440" tIns="45720" rIns="91440" bIns="45720" numCol="1" spcCol="0" rtlCol="0" fromWordArt="0" anchor="t" anchorCtr="0" forceAA="0" upright="0" compatLnSpc="0">
+            <a:spAutoFit/>
+          </a:bodyPr>
+          <a:p>
+            <a:pPr algn="ctr">
+              <a:defRPr/>
+            </a:pPr>
+            <a:r>
+              <a:rPr/>
+              <a:t>CE1</a:t>
+            </a:r>
+            <a:endParaRPr>
+              <a:highlight>
+                <a:srgbClr val="FFFFFF"/>
+              </a:highlight>
+            </a:endParaRPr>
+          </a:p>
+        </p:txBody>
+      </p:sp>
+      <p:sp>
+        <p:nvSpPr>
+          <p:cNvPr id="1030358608" name="" hidden="0"/>
+          <p:cNvSpPr txBox="1"/>
+          <p:nvPr isPhoto="0" userDrawn="0"/>
+        </p:nvSpPr>
+        <p:spPr bwMode="auto">
+          <a:xfrm flipH="0" flipV="0">
+            <a:off x="10616646" y="5061005"/>
+            <a:ext cx="1156864" cy="365794"/>
+          </a:xfrm>
+          <a:prstGeom prst="rect">
+            <a:avLst/>
+          </a:prstGeom>
+          <a:noFill/>
+          <a:ln w="19049">
+            <a:solidFill>
+              <a:schemeClr val="accent1">
+                <a:lumMod val="50196"/>
+              </a:schemeClr>
+            </a:solidFill>
+            <a:prstDash val="solid"/>
+          </a:ln>
+        </p:spPr>
+        <p:txBody>
+          <a:bodyPr vertOverflow="overflow" horzOverflow="clip" vert="horz" wrap="square" lIns="91440" tIns="45720" rIns="91440" bIns="45720" numCol="1" spcCol="0" rtlCol="0" fromWordArt="0" anchor="t" anchorCtr="0" forceAA="0" upright="0" compatLnSpc="0">
+            <a:spAutoFit/>
+          </a:bodyPr>
+          <a:p>
+            <a:pPr algn="ctr">
+              <a:defRPr/>
+            </a:pPr>
+            <a:r>
+              <a:rPr/>
+              <a:t>MSER2</a:t>
+            </a:r>
+            <a:endParaRPr/>
+          </a:p>
+        </p:txBody>
+      </p:sp>
+      <p:sp>
+        <p:nvSpPr>
+          <p:cNvPr id="1827117536" name="" hidden="0"/>
+          <p:cNvSpPr txBox="1"/>
+          <p:nvPr isPhoto="0" userDrawn="0"/>
+        </p:nvSpPr>
+        <p:spPr bwMode="auto">
+          <a:xfrm flipH="0" flipV="0">
+            <a:off x="9927009" y="1737506"/>
+            <a:ext cx="989872" cy="365795"/>
+          </a:xfrm>
+          <a:prstGeom prst="rect">
+            <a:avLst/>
+          </a:prstGeom>
+          <a:noFill/>
+          <a:ln w="19049">
+            <a:solidFill>
+              <a:schemeClr val="accent1">
+                <a:lumMod val="50196"/>
+              </a:schemeClr>
+            </a:solidFill>
+            <a:prstDash val="solid"/>
+          </a:ln>
+        </p:spPr>
+        <p:txBody>
+          <a:bodyPr vertOverflow="overflow" horzOverflow="clip" vert="horz" wrap="square" lIns="91440" tIns="45720" rIns="91440" bIns="45720" numCol="1" spcCol="0" rtlCol="0" fromWordArt="0" anchor="t" anchorCtr="0" forceAA="0" upright="0" compatLnSpc="0">
+            <a:spAutoFit/>
+          </a:bodyPr>
+          <a:p>
+            <a:pPr algn="ctr">
+              <a:defRPr/>
+            </a:pPr>
+            <a:r>
+              <a:rPr/>
+              <a:t>MSIRa</a:t>
+            </a:r>
+            <a:endParaRPr/>
+          </a:p>
+        </p:txBody>
+      </p:sp>
+      <p:sp>
+        <p:nvSpPr>
+          <p:cNvPr id="1515131168" name="" hidden="0"/>
+          <p:cNvSpPr txBox="1"/>
+          <p:nvPr isPhoto="0" userDrawn="0"/>
+        </p:nvSpPr>
+        <p:spPr bwMode="auto">
+          <a:xfrm flipH="0" flipV="0">
+            <a:off x="9035552" y="5061005"/>
+            <a:ext cx="1157043" cy="365794"/>
+          </a:xfrm>
+          <a:prstGeom prst="rect">
+            <a:avLst/>
+          </a:prstGeom>
+          <a:noFill/>
+          <a:ln w="19049">
+            <a:solidFill>
+              <a:schemeClr val="accent1">
+                <a:lumMod val="50196"/>
+              </a:schemeClr>
+            </a:solidFill>
+            <a:prstDash val="solid"/>
+          </a:ln>
+        </p:spPr>
+        <p:txBody>
+          <a:bodyPr vertOverflow="overflow" horzOverflow="clip" vert="horz" wrap="square" lIns="91440" tIns="45720" rIns="91440" bIns="45720" numCol="1" spcCol="0" rtlCol="0" fromWordArt="0" anchor="t" anchorCtr="0" forceAA="0" upright="0" compatLnSpc="0">
+            <a:spAutoFit/>
+          </a:bodyPr>
+          <a:p>
+            <a:pPr algn="ctr">
+              <a:defRPr/>
+            </a:pPr>
+            <a:r>
+              <a:rPr/>
+              <a:t>MSER1</a:t>
+            </a:r>
+            <a:endParaRPr/>
+          </a:p>
+        </p:txBody>
+      </p:sp>
+      <p:sp>
+        <p:nvSpPr>
+          <p:cNvPr id="752471640" name="" hidden="0"/>
+          <p:cNvSpPr txBox="1"/>
+          <p:nvPr isPhoto="0" userDrawn="0"/>
+        </p:nvSpPr>
+        <p:spPr bwMode="auto">
+          <a:xfrm flipH="0" flipV="0">
+            <a:off x="10192561" y="2575365"/>
+            <a:ext cx="953412" cy="365795"/>
+          </a:xfrm>
+          <a:prstGeom prst="rect">
+            <a:avLst/>
+          </a:prstGeom>
+          <a:noFill/>
+          <a:ln w="19049">
+            <a:solidFill>
+              <a:schemeClr val="accent1">
+                <a:lumMod val="50196"/>
+              </a:schemeClr>
+            </a:solidFill>
+            <a:prstDash val="solid"/>
+          </a:ln>
+        </p:spPr>
+        <p:txBody>
+          <a:bodyPr vertOverflow="overflow" horzOverflow="clip" vert="horz" wrap="square" lIns="91440" tIns="45720" rIns="91440" bIns="45720" numCol="1" spcCol="0" rtlCol="0" fromWordArt="0" anchor="t" anchorCtr="0" forceAA="0" upright="0" compatLnSpc="0">
+            <a:spAutoFit/>
+          </a:bodyPr>
+          <a:p>
+            <a:pPr>
+              <a:defRPr/>
+            </a:pPr>
+            <a:r>
+              <a:rPr/>
+              <a:t>MSRc</a:t>
+            </a:r>
+            <a:endParaRPr/>
+          </a:p>
+        </p:txBody>
+      </p:sp>
+      <p:sp>
+        <p:nvSpPr>
+          <p:cNvPr id="1973697444" name="" hidden="0"/>
+          <p:cNvSpPr txBox="1"/>
+          <p:nvPr isPhoto="0" userDrawn="0"/>
+        </p:nvSpPr>
+        <p:spPr bwMode="auto">
+          <a:xfrm flipH="0" flipV="0">
+            <a:off x="10770922" y="3340755"/>
+            <a:ext cx="848387" cy="365795"/>
+          </a:xfrm>
+          <a:prstGeom prst="rect">
+            <a:avLst/>
+          </a:prstGeom>
+          <a:noFill/>
+          <a:ln w="19049">
+            <a:solidFill>
+              <a:schemeClr val="accent1">
+                <a:lumMod val="50196"/>
+              </a:schemeClr>
+            </a:solidFill>
+            <a:prstDash val="solid"/>
+          </a:ln>
+        </p:spPr>
+        <p:txBody>
+          <a:bodyPr vertOverflow="overflow" horzOverflow="clip" vert="horz" wrap="square" lIns="91440" tIns="45720" rIns="91440" bIns="45720" numCol="1" spcCol="0" rtlCol="0" fromWordArt="0" anchor="t" anchorCtr="0" forceAA="0" upright="0" compatLnSpc="0">
+            <a:spAutoFit/>
+          </a:bodyPr>
+          <a:p>
+            <a:pPr algn="ctr">
+              <a:defRPr/>
+            </a:pPr>
+            <a:r>
+              <a:rPr/>
+              <a:t>R1</a:t>
+            </a:r>
+            <a:endParaRPr/>
+          </a:p>
+        </p:txBody>
+      </p:sp>
+      <p:sp>
+        <p:nvSpPr>
+          <p:cNvPr id="1300634430" name="" hidden="0"/>
+          <p:cNvSpPr txBox="1"/>
+          <p:nvPr isPhoto="0" userDrawn="0"/>
+        </p:nvSpPr>
+        <p:spPr bwMode="auto">
+          <a:xfrm flipH="0" flipV="0">
+            <a:off x="10775396" y="4189181"/>
+            <a:ext cx="848459" cy="365795"/>
+          </a:xfrm>
+          <a:prstGeom prst="rect">
+            <a:avLst/>
+          </a:prstGeom>
+          <a:noFill/>
+          <a:ln w="19049">
+            <a:solidFill>
+              <a:schemeClr val="accent1">
+                <a:lumMod val="50196"/>
+              </a:schemeClr>
+            </a:solidFill>
+            <a:prstDash val="solid"/>
+          </a:ln>
+        </p:spPr>
+        <p:txBody>
+          <a:bodyPr vertOverflow="overflow" horzOverflow="clip" vert="horz" wrap="square" lIns="91440" tIns="45720" rIns="91440" bIns="45720" numCol="1" spcCol="0" rtlCol="0" fromWordArt="0" anchor="t" anchorCtr="0" forceAA="0" upright="0" compatLnSpc="0">
+            <a:spAutoFit/>
+          </a:bodyPr>
+          <a:p>
+            <a:pPr>
+              <a:defRPr/>
+            </a:pPr>
+            <a:r>
+              <a:rPr/>
+              <a:t>MSRg</a:t>
+            </a:r>
+            <a:endParaRPr/>
+          </a:p>
+        </p:txBody>
+      </p:sp>
+      <p:sp>
+        <p:nvSpPr>
+          <p:cNvPr id="186591411" name="" hidden="0"/>
+          <p:cNvSpPr txBox="1"/>
+          <p:nvPr isPhoto="0" userDrawn="0"/>
+        </p:nvSpPr>
+        <p:spPr bwMode="auto">
+          <a:xfrm flipH="0" flipV="0">
+            <a:off x="10890735" y="5908870"/>
+            <a:ext cx="767451" cy="365794"/>
+          </a:xfrm>
+          <a:prstGeom prst="rect">
+            <a:avLst/>
+          </a:prstGeom>
+          <a:noFill/>
+          <a:ln w="19049">
+            <a:solidFill>
+              <a:schemeClr val="accent1">
+                <a:lumMod val="50196"/>
+              </a:schemeClr>
+            </a:solidFill>
+            <a:prstDash val="solid"/>
+          </a:ln>
+        </p:spPr>
+        <p:txBody>
+          <a:bodyPr vertOverflow="overflow" horzOverflow="clip" vert="horz" wrap="square" lIns="91440" tIns="45720" rIns="91440" bIns="45720" numCol="1" spcCol="0" rtlCol="0" fromWordArt="0" anchor="t" anchorCtr="0" forceAA="0" upright="0" compatLnSpc="0">
+            <a:spAutoFit/>
+          </a:bodyPr>
+          <a:p>
+            <a:pPr algn="ctr">
+              <a:defRPr/>
+            </a:pPr>
+            <a:r>
+              <a:rPr/>
+              <a:t>CE3</a:t>
+            </a:r>
+            <a:endParaRPr>
+              <a:highlight>
+                <a:srgbClr val="FFFFFF"/>
+              </a:highlight>
+            </a:endParaRPr>
+          </a:p>
+        </p:txBody>
+      </p:sp>
+      <p:sp>
+        <p:nvSpPr>
+          <p:cNvPr id="131453990" name="" hidden="0"/>
+          <p:cNvSpPr txBox="1"/>
+          <p:nvPr isPhoto="0" userDrawn="0"/>
+        </p:nvSpPr>
+        <p:spPr bwMode="auto">
+          <a:xfrm flipH="0" flipV="0">
+            <a:off x="9256797" y="5908870"/>
+            <a:ext cx="767595" cy="365795"/>
+          </a:xfrm>
+          <a:prstGeom prst="rect">
+            <a:avLst/>
+          </a:prstGeom>
+          <a:noFill/>
+          <a:ln w="19049">
+            <a:solidFill>
+              <a:schemeClr val="accent1">
+                <a:lumMod val="50196"/>
+              </a:schemeClr>
+            </a:solidFill>
+            <a:prstDash val="solid"/>
+          </a:ln>
+        </p:spPr>
+        <p:txBody>
+          <a:bodyPr vertOverflow="overflow" horzOverflow="clip" vert="horz" wrap="square" lIns="91440" tIns="45720" rIns="91440" bIns="45720" numCol="1" spcCol="0" rtlCol="0" fromWordArt="0" anchor="t" anchorCtr="0" forceAA="0" upright="0" compatLnSpc="0">
+            <a:spAutoFit/>
+          </a:bodyPr>
+          <a:p>
+            <a:pPr algn="ctr">
+              <a:defRPr/>
+            </a:pPr>
+            <a:r>
+              <a:rPr/>
+              <a:t>CE2</a:t>
+            </a:r>
+            <a:endParaRPr>
+              <a:highlight>
+                <a:srgbClr val="FFFFFF"/>
+              </a:highlight>
+            </a:endParaRPr>
+          </a:p>
+        </p:txBody>
+      </p:sp>
+      <p:sp>
+        <p:nvSpPr>
+          <p:cNvPr id="1194783986" name="" hidden="0"/>
+          <p:cNvSpPr txBox="1"/>
+          <p:nvPr isPhoto="0" userDrawn="0"/>
+        </p:nvSpPr>
+        <p:spPr bwMode="auto">
+          <a:xfrm flipH="0" flipV="0">
+            <a:off x="9462472" y="3823385"/>
+            <a:ext cx="944325" cy="365795"/>
+          </a:xfrm>
+          <a:prstGeom prst="rect">
+            <a:avLst/>
+          </a:prstGeom>
+          <a:noFill/>
+          <a:ln w="19049">
+            <a:solidFill>
+              <a:schemeClr val="accent1">
+                <a:lumMod val="50196"/>
+              </a:schemeClr>
+            </a:solidFill>
+            <a:prstDash val="solid"/>
+          </a:ln>
+        </p:spPr>
+        <p:txBody>
+          <a:bodyPr vertOverflow="overflow" horzOverflow="clip" vert="horz" wrap="square" lIns="91440" tIns="45720" rIns="91440" bIns="45720" numCol="1" spcCol="0" rtlCol="0" fromWordArt="0" anchor="t" anchorCtr="0" forceAA="0" upright="0" compatLnSpc="0">
+            <a:spAutoFit/>
+          </a:bodyPr>
+          <a:p>
+            <a:pPr>
+              <a:defRPr/>
+            </a:pPr>
+            <a:r>
+              <a:rPr/>
+              <a:t>MSRe</a:t>
+            </a:r>
+            <a:endParaRPr/>
+          </a:p>
+        </p:txBody>
+      </p:sp>
+      <p:sp>
+        <p:nvSpPr>
+          <p:cNvPr id="1060681975" name="" hidden="0"/>
+          <p:cNvSpPr txBox="1"/>
+          <p:nvPr isPhoto="0" userDrawn="0"/>
+        </p:nvSpPr>
+        <p:spPr bwMode="auto">
+          <a:xfrm flipH="0" flipV="0">
+            <a:off x="8792242" y="2630592"/>
+            <a:ext cx="964843" cy="365795"/>
+          </a:xfrm>
+          <a:prstGeom prst="rect">
+            <a:avLst/>
+          </a:prstGeom>
+          <a:noFill/>
+          <a:ln w="19049">
+            <a:solidFill>
+              <a:schemeClr val="accent1">
+                <a:lumMod val="50196"/>
+              </a:schemeClr>
+            </a:solidFill>
+            <a:prstDash val="solid"/>
+          </a:ln>
+        </p:spPr>
+        <p:txBody>
+          <a:bodyPr vertOverflow="overflow" horzOverflow="clip" vert="horz" wrap="square" lIns="91440" tIns="45720" rIns="91440" bIns="45720" numCol="1" spcCol="0" rtlCol="0" fromWordArt="0" anchor="t" anchorCtr="0" forceAA="0" upright="0" compatLnSpc="0">
+            <a:spAutoFit/>
+          </a:bodyPr>
+          <a:p>
+            <a:pPr>
+              <a:defRPr/>
+            </a:pPr>
+            <a:r>
+              <a:rPr/>
+              <a:t>MSRb</a:t>
+            </a:r>
+            <a:endParaRPr/>
+          </a:p>
+        </p:txBody>
+      </p:sp>
+      <p:sp>
+        <p:nvSpPr>
+          <p:cNvPr id="1038105190" name="" hidden="0"/>
+          <p:cNvSpPr txBox="1"/>
+          <p:nvPr isPhoto="0" userDrawn="0"/>
+        </p:nvSpPr>
+        <p:spPr bwMode="auto">
+          <a:xfrm flipH="0" flipV="0">
+            <a:off x="8368031" y="3457589"/>
+            <a:ext cx="848459" cy="365795"/>
+          </a:xfrm>
+          <a:prstGeom prst="rect">
+            <a:avLst/>
+          </a:prstGeom>
+          <a:noFill/>
+          <a:ln w="19049">
+            <a:solidFill>
+              <a:schemeClr val="accent1">
+                <a:lumMod val="50196"/>
+              </a:schemeClr>
+            </a:solidFill>
+            <a:prstDash val="solid"/>
+          </a:ln>
+        </p:spPr>
+        <p:txBody>
+          <a:bodyPr vertOverflow="overflow" horzOverflow="clip" vert="horz" wrap="square" lIns="91440" tIns="45720" rIns="91440" bIns="45720" numCol="1" spcCol="0" rtlCol="0" fromWordArt="0" anchor="t" anchorCtr="0" forceAA="0" upright="0" compatLnSpc="0">
+            <a:spAutoFit/>
+          </a:bodyPr>
+          <a:p>
+            <a:pPr>
+              <a:defRPr/>
+            </a:pPr>
+            <a:r>
+              <a:rPr/>
+              <a:t>MSRd</a:t>
+            </a:r>
+            <a:endParaRPr/>
+          </a:p>
+        </p:txBody>
+      </p:sp>
+      <p:sp>
+        <p:nvSpPr>
+          <p:cNvPr id="2039655872" name="" hidden="0"/>
+          <p:cNvSpPr txBox="1"/>
+          <p:nvPr isPhoto="0" userDrawn="0"/>
+        </p:nvSpPr>
+        <p:spPr bwMode="auto">
+          <a:xfrm flipH="0" flipV="0">
+            <a:off x="8158051" y="4189181"/>
+            <a:ext cx="848387" cy="365795"/>
+          </a:xfrm>
+          <a:prstGeom prst="rect">
+            <a:avLst/>
+          </a:prstGeom>
+          <a:noFill/>
+          <a:ln w="19049">
+            <a:solidFill>
+              <a:schemeClr val="accent1">
+                <a:lumMod val="50196"/>
+              </a:schemeClr>
+            </a:solidFill>
+            <a:prstDash val="solid"/>
+          </a:ln>
+        </p:spPr>
+        <p:txBody>
+          <a:bodyPr vertOverflow="overflow" horzOverflow="clip" vert="horz" wrap="square" lIns="91440" tIns="45720" rIns="91440" bIns="45720" numCol="1" spcCol="0" rtlCol="0" fromWordArt="0" anchor="t" anchorCtr="0" forceAA="0" upright="0" compatLnSpc="0">
+            <a:spAutoFit/>
+          </a:bodyPr>
+          <a:p>
+            <a:pPr>
+              <a:defRPr/>
+            </a:pPr>
+            <a:r>
+              <a:rPr/>
+              <a:t>MSRf</a:t>
+            </a:r>
+            <a:endParaRPr/>
+          </a:p>
+        </p:txBody>
+      </p:sp>
+      <p:cxnSp>
+        <p:nvCxnSpPr>
+          <p:cNvPr id="1044071074" name="" hidden="0"/>
+          <p:cNvCxnSpPr>
+            <a:cxnSpLocks/>
+          </p:cNvCxnSpPr>
+          <p:nvPr isPhoto="0" userDrawn="0"/>
+        </p:nvCxnSpPr>
+        <p:spPr bwMode="auto">
+          <a:xfrm rot="16199969" flipH="0" flipV="0">
+            <a:off x="10073846" y="1500600"/>
+            <a:ext cx="467557" cy="6252"/>
+          </a:xfrm>
+          <a:prstGeom prst="line">
+            <a:avLst/>
+          </a:prstGeom>
+          <a:ln w="38099" cap="flat" cmpd="sng" algn="ctr">
+            <a:solidFill>
+              <a:schemeClr val="tx1"/>
+            </a:solidFill>
+            <a:prstDash val="solid"/>
+            <a:miter/>
+          </a:ln>
+        </p:spPr>
+        <p:style>
+          <a:lnRef idx="1">
+            <a:schemeClr val="accent1">
+              <a:shade val="50000"/>
+            </a:schemeClr>
+          </a:lnRef>
+          <a:fillRef idx="0">
+            <a:schemeClr val="accent1"/>
+          </a:fillRef>
+          <a:effectRef idx="0">
+            <a:schemeClr val="accent1"/>
+          </a:effectRef>
+          <a:fontRef idx="minor">
+            <a:schemeClr val="tx1"/>
+          </a:fontRef>
+        </p:style>
+      </p:cxnSp>
+      <p:cxnSp>
+        <p:nvCxnSpPr>
+          <p:cNvPr id="1350306298" name="" hidden="0"/>
+          <p:cNvCxnSpPr>
+            <a:cxnSpLocks/>
+          </p:cNvCxnSpPr>
+          <p:nvPr isPhoto="0" userDrawn="0"/>
+        </p:nvCxnSpPr>
+        <p:spPr bwMode="auto">
+          <a:xfrm rot="16199969" flipH="0" flipV="0">
+            <a:off x="10264347" y="2333955"/>
+            <a:ext cx="467557" cy="6252"/>
+          </a:xfrm>
+          <a:prstGeom prst="line">
+            <a:avLst/>
+          </a:prstGeom>
+          <a:ln w="38099" cap="flat" cmpd="sng" algn="ctr">
+            <a:solidFill>
+              <a:schemeClr val="tx1"/>
+            </a:solidFill>
+            <a:prstDash val="solid"/>
+            <a:miter/>
+          </a:ln>
+        </p:spPr>
+        <p:style>
+          <a:lnRef idx="1">
+            <a:schemeClr val="accent1">
+              <a:shade val="50000"/>
+            </a:schemeClr>
+          </a:lnRef>
+          <a:fillRef idx="0">
+            <a:schemeClr val="accent1"/>
+          </a:fillRef>
+          <a:effectRef idx="0">
+            <a:schemeClr val="accent1"/>
+          </a:effectRef>
+          <a:fontRef idx="minor">
+            <a:schemeClr val="tx1"/>
+          </a:fontRef>
+        </p:style>
+      </p:cxnSp>
+      <p:cxnSp>
+        <p:nvCxnSpPr>
+          <p:cNvPr id="775577426" name="" hidden="0"/>
+          <p:cNvCxnSpPr>
+            <a:cxnSpLocks/>
+          </p:cNvCxnSpPr>
+          <p:nvPr isPhoto="0" userDrawn="0"/>
+        </p:nvCxnSpPr>
+        <p:spPr bwMode="auto">
+          <a:xfrm rot="16199969" flipH="0" flipV="0">
+            <a:off x="9493191" y="1866908"/>
+            <a:ext cx="527288" cy="1000076"/>
+          </a:xfrm>
+          <a:prstGeom prst="line">
+            <a:avLst/>
+          </a:prstGeom>
+          <a:ln w="38099" cap="flat" cmpd="sng" algn="ctr">
+            <a:solidFill>
+              <a:schemeClr val="tx1"/>
+            </a:solidFill>
+            <a:prstDash val="solid"/>
+            <a:miter/>
+          </a:ln>
+        </p:spPr>
+        <p:style>
+          <a:lnRef idx="1">
+            <a:schemeClr val="accent1">
+              <a:shade val="50000"/>
+            </a:schemeClr>
+          </a:lnRef>
+          <a:fillRef idx="0">
+            <a:schemeClr val="accent1"/>
+          </a:fillRef>
+          <a:effectRef idx="0">
+            <a:schemeClr val="accent1"/>
+          </a:effectRef>
+          <a:fontRef idx="minor">
+            <a:schemeClr val="tx1"/>
+          </a:fontRef>
+        </p:style>
+      </p:cxnSp>
+      <p:cxnSp>
+        <p:nvCxnSpPr>
+          <p:cNvPr id="1326611767" name="" hidden="0"/>
+          <p:cNvCxnSpPr>
+            <a:cxnSpLocks/>
+          </p:cNvCxnSpPr>
+          <p:nvPr isPhoto="0" userDrawn="0"/>
+        </p:nvCxnSpPr>
+        <p:spPr bwMode="auto">
+          <a:xfrm rot="16199969" flipH="0" flipV="1">
+            <a:off x="10731632" y="2926513"/>
+            <a:ext cx="344367" cy="484115"/>
+          </a:xfrm>
+          <a:prstGeom prst="line">
+            <a:avLst/>
+          </a:prstGeom>
+          <a:ln w="38099" cap="flat" cmpd="sng" algn="ctr">
+            <a:solidFill>
+              <a:schemeClr val="tx1"/>
+            </a:solidFill>
+            <a:prstDash val="solid"/>
+            <a:miter/>
+          </a:ln>
+        </p:spPr>
+        <p:style>
+          <a:lnRef idx="1">
+            <a:schemeClr val="accent1">
+              <a:shade val="50000"/>
+            </a:schemeClr>
+          </a:lnRef>
+          <a:fillRef idx="0">
+            <a:schemeClr val="accent1"/>
+          </a:fillRef>
+          <a:effectRef idx="0">
+            <a:schemeClr val="accent1"/>
+          </a:effectRef>
+          <a:fontRef idx="minor">
+            <a:schemeClr val="tx1"/>
+          </a:fontRef>
+        </p:style>
+      </p:cxnSp>
+      <p:cxnSp>
+        <p:nvCxnSpPr>
+          <p:cNvPr id="1306999692" name="" hidden="0"/>
+          <p:cNvCxnSpPr>
+            <a:cxnSpLocks/>
+          </p:cNvCxnSpPr>
+          <p:nvPr isPhoto="0" userDrawn="0"/>
+        </p:nvCxnSpPr>
+        <p:spPr bwMode="auto">
+          <a:xfrm rot="16199969" flipH="0" flipV="0">
+            <a:off x="9733116" y="3149883"/>
+            <a:ext cx="826996" cy="520004"/>
+          </a:xfrm>
+          <a:prstGeom prst="line">
+            <a:avLst/>
+          </a:prstGeom>
+          <a:ln w="38099" cap="flat" cmpd="sng" algn="ctr">
+            <a:solidFill>
+              <a:schemeClr val="tx1"/>
+            </a:solidFill>
+            <a:prstDash val="solid"/>
+            <a:miter/>
+          </a:ln>
+        </p:spPr>
+        <p:style>
+          <a:lnRef idx="1">
+            <a:schemeClr val="accent1">
+              <a:shade val="50000"/>
+            </a:schemeClr>
+          </a:lnRef>
+          <a:fillRef idx="0">
+            <a:schemeClr val="accent1"/>
+          </a:fillRef>
+          <a:effectRef idx="0">
+            <a:schemeClr val="accent1"/>
+          </a:effectRef>
+          <a:fontRef idx="minor">
+            <a:schemeClr val="tx1"/>
+          </a:fontRef>
+        </p:style>
+      </p:cxnSp>
+      <p:cxnSp>
+        <p:nvCxnSpPr>
+          <p:cNvPr id="1034480271" name="" hidden="0"/>
+          <p:cNvCxnSpPr>
+            <a:cxnSpLocks/>
+          </p:cNvCxnSpPr>
+          <p:nvPr isPhoto="0" userDrawn="0"/>
+        </p:nvCxnSpPr>
+        <p:spPr bwMode="auto">
+          <a:xfrm rot="16199969" flipH="0" flipV="0">
+            <a:off x="8812946" y="2975683"/>
+            <a:ext cx="432612" cy="474017"/>
+          </a:xfrm>
+          <a:prstGeom prst="line">
+            <a:avLst/>
+          </a:prstGeom>
+          <a:ln w="38099" cap="flat" cmpd="sng" algn="ctr">
+            <a:solidFill>
+              <a:schemeClr val="tx1"/>
+            </a:solidFill>
+            <a:prstDash val="solid"/>
+            <a:miter/>
+          </a:ln>
+        </p:spPr>
+        <p:style>
+          <a:lnRef idx="1">
+            <a:schemeClr val="accent1">
+              <a:shade val="50000"/>
+            </a:schemeClr>
+          </a:lnRef>
+          <a:fillRef idx="0">
+            <a:schemeClr val="accent1"/>
+          </a:fillRef>
+          <a:effectRef idx="0">
+            <a:schemeClr val="accent1"/>
+          </a:effectRef>
+          <a:fontRef idx="minor">
+            <a:schemeClr val="tx1"/>
+          </a:fontRef>
+        </p:style>
+      </p:cxnSp>
+      <p:cxnSp>
+        <p:nvCxnSpPr>
+          <p:cNvPr id="712339472" name="" hidden="0"/>
+          <p:cNvCxnSpPr>
+            <a:cxnSpLocks/>
+          </p:cNvCxnSpPr>
+          <p:nvPr isPhoto="0" userDrawn="0"/>
+        </p:nvCxnSpPr>
+        <p:spPr bwMode="auto">
+          <a:xfrm rot="16199969" flipH="0" flipV="0">
+            <a:off x="8504282" y="3901257"/>
+            <a:ext cx="365796" cy="210051"/>
+          </a:xfrm>
+          <a:prstGeom prst="line">
+            <a:avLst/>
+          </a:prstGeom>
+          <a:ln w="38099" cap="flat" cmpd="sng" algn="ctr">
+            <a:solidFill>
+              <a:schemeClr val="tx1"/>
+            </a:solidFill>
+            <a:prstDash val="solid"/>
+            <a:miter/>
+          </a:ln>
+        </p:spPr>
+        <p:style>
+          <a:lnRef idx="1">
+            <a:schemeClr val="accent1">
+              <a:shade val="50000"/>
+            </a:schemeClr>
+          </a:lnRef>
+          <a:fillRef idx="0">
+            <a:schemeClr val="accent1"/>
+          </a:fillRef>
+          <a:effectRef idx="0">
+            <a:schemeClr val="accent1"/>
+          </a:effectRef>
+          <a:fontRef idx="minor">
+            <a:schemeClr val="tx1"/>
+          </a:fontRef>
+        </p:style>
+      </p:cxnSp>
+      <p:cxnSp>
+        <p:nvCxnSpPr>
+          <p:cNvPr id="214794302" name="" hidden="0"/>
+          <p:cNvCxnSpPr>
+            <a:cxnSpLocks/>
+          </p:cNvCxnSpPr>
+          <p:nvPr isPhoto="0" userDrawn="0"/>
+        </p:nvCxnSpPr>
+        <p:spPr bwMode="auto">
+          <a:xfrm rot="16199969" flipH="0" flipV="0">
+            <a:off x="9335238" y="4529565"/>
+            <a:ext cx="890815" cy="210051"/>
+          </a:xfrm>
+          <a:prstGeom prst="line">
+            <a:avLst/>
+          </a:prstGeom>
+          <a:ln w="38099" cap="flat" cmpd="sng" algn="ctr">
+            <a:solidFill>
+              <a:schemeClr val="tx1"/>
+            </a:solidFill>
+            <a:prstDash val="solid"/>
+            <a:miter/>
+          </a:ln>
+        </p:spPr>
+        <p:style>
+          <a:lnRef idx="1">
+            <a:schemeClr val="accent1">
+              <a:shade val="50000"/>
+            </a:schemeClr>
+          </a:lnRef>
+          <a:fillRef idx="0">
+            <a:schemeClr val="accent1"/>
+          </a:fillRef>
+          <a:effectRef idx="0">
+            <a:schemeClr val="accent1"/>
+          </a:effectRef>
+          <a:fontRef idx="minor">
+            <a:schemeClr val="tx1"/>
+          </a:fontRef>
+        </p:style>
+      </p:cxnSp>
+      <p:cxnSp>
+        <p:nvCxnSpPr>
+          <p:cNvPr id="611391260" name="" hidden="0"/>
+          <p:cNvCxnSpPr>
+            <a:cxnSpLocks/>
+          </p:cNvCxnSpPr>
+          <p:nvPr isPhoto="0" userDrawn="0"/>
+        </p:nvCxnSpPr>
+        <p:spPr bwMode="auto">
+          <a:xfrm rot="16199969" flipH="0" flipV="1">
+            <a:off x="10904519" y="3947826"/>
+            <a:ext cx="482629" cy="78"/>
+          </a:xfrm>
+          <a:prstGeom prst="line">
+            <a:avLst/>
+          </a:prstGeom>
+          <a:ln w="38099" cap="flat" cmpd="sng" algn="ctr">
+            <a:solidFill>
+              <a:schemeClr val="tx1"/>
+            </a:solidFill>
+            <a:prstDash val="solid"/>
+            <a:miter/>
+          </a:ln>
+        </p:spPr>
+        <p:style>
+          <a:lnRef idx="1">
+            <a:schemeClr val="accent1">
+              <a:shade val="50000"/>
+            </a:schemeClr>
+          </a:lnRef>
+          <a:fillRef idx="0">
+            <a:schemeClr val="accent1"/>
+          </a:fillRef>
+          <a:effectRef idx="0">
+            <a:schemeClr val="accent1"/>
+          </a:effectRef>
+          <a:fontRef idx="minor">
+            <a:schemeClr val="tx1"/>
+          </a:fontRef>
+        </p:style>
+      </p:cxnSp>
+      <p:cxnSp>
+        <p:nvCxnSpPr>
+          <p:cNvPr id="1331960270" name="" hidden="0"/>
+          <p:cNvCxnSpPr>
+            <a:cxnSpLocks/>
+          </p:cNvCxnSpPr>
+          <p:nvPr isPhoto="0" userDrawn="0"/>
+        </p:nvCxnSpPr>
+        <p:spPr bwMode="auto">
+          <a:xfrm rot="16199969" flipH="0" flipV="1">
+            <a:off x="10904519" y="4819650"/>
+            <a:ext cx="482629" cy="78"/>
+          </a:xfrm>
+          <a:prstGeom prst="line">
+            <a:avLst/>
+          </a:prstGeom>
+          <a:ln w="38099" cap="flat" cmpd="sng" algn="ctr">
+            <a:solidFill>
+              <a:schemeClr val="tx1"/>
+            </a:solidFill>
+            <a:prstDash val="solid"/>
+            <a:miter/>
+          </a:ln>
+        </p:spPr>
+        <p:style>
+          <a:lnRef idx="1">
+            <a:schemeClr val="accent1">
+              <a:shade val="50000"/>
+            </a:schemeClr>
+          </a:lnRef>
+          <a:fillRef idx="0">
+            <a:schemeClr val="accent1"/>
+          </a:fillRef>
+          <a:effectRef idx="0">
+            <a:schemeClr val="accent1"/>
+          </a:effectRef>
+          <a:fontRef idx="minor">
+            <a:schemeClr val="tx1"/>
+          </a:fontRef>
+        </p:style>
+      </p:cxnSp>
+      <p:cxnSp>
+        <p:nvCxnSpPr>
+          <p:cNvPr id="1771242823" name="" hidden="0"/>
+          <p:cNvCxnSpPr>
+            <a:cxnSpLocks/>
+          </p:cNvCxnSpPr>
+          <p:nvPr isPhoto="0" userDrawn="0"/>
+        </p:nvCxnSpPr>
+        <p:spPr bwMode="auto">
+          <a:xfrm rot="16199969" flipH="0" flipV="1">
+            <a:off x="8765409" y="4395039"/>
+            <a:ext cx="482629" cy="849297"/>
+          </a:xfrm>
+          <a:prstGeom prst="line">
+            <a:avLst/>
+          </a:prstGeom>
+          <a:ln w="38099" cap="flat" cmpd="sng" algn="ctr">
+            <a:solidFill>
+              <a:schemeClr val="tx1"/>
+            </a:solidFill>
+            <a:prstDash val="solid"/>
+            <a:miter/>
+          </a:ln>
+        </p:spPr>
+        <p:style>
+          <a:lnRef idx="1">
+            <a:schemeClr val="accent1">
+              <a:shade val="50000"/>
+            </a:schemeClr>
+          </a:lnRef>
+          <a:fillRef idx="0">
+            <a:schemeClr val="accent1"/>
+          </a:fillRef>
+          <a:effectRef idx="0">
+            <a:schemeClr val="accent1"/>
+          </a:effectRef>
+          <a:fontRef idx="minor">
+            <a:schemeClr val="tx1"/>
+          </a:fontRef>
+        </p:style>
+      </p:cxnSp>
+      <p:cxnSp>
+        <p:nvCxnSpPr>
+          <p:cNvPr id="1952340237" name="" hidden="0"/>
+          <p:cNvCxnSpPr>
+            <a:cxnSpLocks/>
+          </p:cNvCxnSpPr>
+          <p:nvPr isPhoto="0" userDrawn="0"/>
+        </p:nvCxnSpPr>
+        <p:spPr bwMode="auto">
+          <a:xfrm rot="16199969" flipH="0" flipV="0">
+            <a:off x="10073846" y="1500600"/>
+            <a:ext cx="467557" cy="6252"/>
+          </a:xfrm>
+          <a:prstGeom prst="line">
+            <a:avLst/>
+          </a:prstGeom>
+          <a:ln w="38099" cap="flat" cmpd="sng" algn="ctr">
+            <a:solidFill>
+              <a:schemeClr val="tx1"/>
+            </a:solidFill>
+            <a:prstDash val="solid"/>
+            <a:miter/>
+          </a:ln>
+        </p:spPr>
+        <p:style>
+          <a:lnRef idx="1">
+            <a:schemeClr val="accent1">
+              <a:shade val="50000"/>
+            </a:schemeClr>
+          </a:lnRef>
+          <a:fillRef idx="0">
+            <a:schemeClr val="accent1"/>
+          </a:fillRef>
+          <a:effectRef idx="0">
+            <a:schemeClr val="accent1"/>
+          </a:effectRef>
+          <a:fontRef idx="minor">
+            <a:schemeClr val="tx1"/>
+          </a:fontRef>
+        </p:style>
+      </p:cxnSp>
+      <p:cxnSp>
+        <p:nvCxnSpPr>
+          <p:cNvPr id="2047776953" name="" hidden="0"/>
+          <p:cNvCxnSpPr>
+            <a:cxnSpLocks/>
+          </p:cNvCxnSpPr>
+          <p:nvPr isPhoto="0" userDrawn="0"/>
+        </p:nvCxnSpPr>
+        <p:spPr bwMode="auto">
+          <a:xfrm rot="16199969" flipH="0" flipV="0">
+            <a:off x="9383403" y="5671964"/>
+            <a:ext cx="467557" cy="6252"/>
+          </a:xfrm>
+          <a:prstGeom prst="line">
+            <a:avLst/>
+          </a:prstGeom>
+          <a:ln w="38099" cap="flat" cmpd="sng" algn="ctr">
+            <a:solidFill>
+              <a:schemeClr val="tx1"/>
+            </a:solidFill>
+            <a:prstDash val="solid"/>
+            <a:miter/>
+          </a:ln>
+        </p:spPr>
+        <p:style>
+          <a:lnRef idx="1">
+            <a:schemeClr val="accent1">
+              <a:shade val="50000"/>
+            </a:schemeClr>
+          </a:lnRef>
+          <a:fillRef idx="0">
+            <a:schemeClr val="accent1"/>
+          </a:fillRef>
+          <a:effectRef idx="0">
+            <a:schemeClr val="accent1"/>
+          </a:effectRef>
+          <a:fontRef idx="minor">
+            <a:schemeClr val="tx1"/>
+          </a:fontRef>
+        </p:style>
+      </p:cxnSp>
+      <p:cxnSp>
+        <p:nvCxnSpPr>
+          <p:cNvPr id="1558549860" name="" hidden="0"/>
+          <p:cNvCxnSpPr>
+            <a:cxnSpLocks/>
+          </p:cNvCxnSpPr>
+          <p:nvPr isPhoto="0" userDrawn="0"/>
+        </p:nvCxnSpPr>
+        <p:spPr bwMode="auto">
+          <a:xfrm rot="16199969" flipH="0" flipV="0">
+            <a:off x="10968919" y="5657454"/>
+            <a:ext cx="467557" cy="6252"/>
+          </a:xfrm>
+          <a:prstGeom prst="line">
+            <a:avLst/>
+          </a:prstGeom>
+          <a:ln w="38099" cap="flat" cmpd="sng" algn="ctr">
+            <a:solidFill>
+              <a:schemeClr val="tx1"/>
+            </a:solidFill>
+            <a:prstDash val="solid"/>
+            <a:miter/>
+          </a:ln>
+        </p:spPr>
+        <p:style>
+          <a:lnRef idx="1">
+            <a:schemeClr val="accent1">
+              <a:shade val="50000"/>
+            </a:schemeClr>
+          </a:lnRef>
+          <a:fillRef idx="0">
+            <a:schemeClr val="accent1"/>
+          </a:fillRef>
+          <a:effectRef idx="0">
+            <a:schemeClr val="accent1"/>
+          </a:effectRef>
+          <a:fontRef idx="minor">
+            <a:schemeClr val="tx1"/>
+          </a:fontRef>
+        </p:style>
+      </p:cxnSp>
+      <p:sp>
+        <p:nvSpPr>
+          <p:cNvPr id="1548271919" name="" hidden="0"/>
+          <p:cNvSpPr txBox="1"/>
+          <p:nvPr isPhoto="0" userDrawn="0"/>
+        </p:nvSpPr>
+        <p:spPr bwMode="auto">
+          <a:xfrm flipH="0" flipV="0">
+            <a:off x="8096544" y="1783244"/>
+            <a:ext cx="932706" cy="640115"/>
+          </a:xfrm>
+          <a:prstGeom prst="rect">
+            <a:avLst/>
+          </a:prstGeom>
+          <a:noFill/>
+        </p:spPr>
+        <p:txBody>
+          <a:bodyPr vertOverflow="overflow" horzOverflow="clip" vert="horz" wrap="none" lIns="91440" tIns="45720" rIns="91440" bIns="45720" numCol="1" spcCol="0" rtlCol="0" fromWordArt="0" anchor="t" anchorCtr="0" forceAA="0" upright="0" compatLnSpc="0">
+            <a:spAutoFit/>
+          </a:bodyPr>
+          <a:p>
+            <a:pPr>
+              <a:defRPr/>
+            </a:pPr>
+            <a:r>
+              <a:rPr i="1"/>
+              <a:t>MSR6</a:t>
+            </a:r>
+            <a:endParaRPr i="1"/>
+          </a:p>
+          <a:p>
+            <a:pPr>
+              <a:defRPr/>
+            </a:pPr>
+            <a:r>
+              <a:rPr i="1"/>
+              <a:t>domain</a:t>
+            </a:r>
+            <a:endParaRPr i="1"/>
+          </a:p>
+        </p:txBody>
+      </p:sp>
+      <p:sp>
+        <p:nvSpPr>
+          <p:cNvPr id="1739215011" name="" hidden="0"/>
+          <p:cNvSpPr txBox="1"/>
+          <p:nvPr isPhoto="0" userDrawn="0"/>
+        </p:nvSpPr>
+        <p:spPr bwMode="auto">
+          <a:xfrm flipH="0" flipV="0">
+            <a:off x="8043227" y="6354018"/>
+            <a:ext cx="3374919" cy="426755"/>
+          </a:xfrm>
+          <a:prstGeom prst="rect">
+            <a:avLst/>
+          </a:prstGeom>
+          <a:noFill/>
+        </p:spPr>
+        <p:txBody>
+          <a:bodyPr vertOverflow="overflow" horzOverflow="clip" vert="horz" wrap="none" lIns="91440" tIns="45720" rIns="91440" bIns="45720" numCol="1" spcCol="0" rtlCol="0" fromWordArt="0" anchor="t" anchorCtr="0" forceAA="0" upright="0" compatLnSpc="0">
+            <a:spAutoFit/>
+          </a:bodyPr>
+          <a:p>
+            <a:pPr>
+              <a:defRPr/>
+            </a:pPr>
+            <a:r>
+              <a:rPr sz="1100" i="1"/>
+              <a:t>Sample topology showing need for</a:t>
+            </a:r>
+            <a:endParaRPr sz="1100" i="1"/>
+          </a:p>
+          <a:p>
+            <a:pPr>
+              <a:defRPr/>
+            </a:pPr>
+            <a:r>
+              <a:rPr sz="1100" i="1"/>
+              <a:t>non-equal cost path steering and loose-hop support</a:t>
+            </a:r>
+            <a:endParaRPr sz="1200"/>
+          </a:p>
+        </p:txBody>
+      </p:sp>
+    </p:spTree>
+  </p:cSld>
+  <p:clrMapOvr>
+    <a:masterClrMapping/>
+  </p:clrMapOvr>
+  <mc:AlternateContent xmlns:mc="http://schemas.openxmlformats.org/markup-compatibility/2006">
+    <mc:Choice xmlns:p14="http://schemas.microsoft.com/office/powerpoint/2010/main" Requires="p14">
+      <p:transition p14:dur="2000" advClick="1"/>
+    </mc:Choice>
+    <mc:Fallback>
+      <p:transition advClick="1"/>
+    </mc:Fallback>
+  </mc:AlternateContent>
+</p:sld>
+</file>
+
+<file path=ppt/slides/slide7.xml><?xml version="1.0" encoding="utf-8"?>
+<p:sld xmlns:a="http://schemas.openxmlformats.org/drawingml/2006/main" xmlns:r="http://schemas.openxmlformats.org/officeDocument/2006/relationships" xmlns:p="http://schemas.openxmlformats.org/presentationml/2006/main" xmlns:m="http://schemas.openxmlformats.org/officeDocument/2006/math" xmlns:w="http://schemas.openxmlformats.org/wordprocessingml/2006/main" showMasterPhAnim="0" show="1">
+  <p:cSld name="">
+    <p:spTree>
+      <p:nvGrpSpPr>
+        <p:cNvPr id="1" name="" hidden="0"/>
+        <p:cNvGrpSpPr/>
+        <p:nvPr isPhoto="0" userDrawn="0"/>
+      </p:nvGrpSpPr>
+      <p:grpSpPr bwMode="auto">
+        <a:xfrm>
+          <a:off x="0" y="0"/>
+          <a:ext cx="0" cy="0"/>
+          <a:chOff x="0" y="0"/>
+          <a:chExt cx="0" cy="0"/>
+        </a:xfrm>
+      </p:grpSpPr>
+      <p:sp>
+        <p:nvSpPr>
+          <p:cNvPr id="1257379674" name="" hidden="0"/>
+          <p:cNvSpPr/>
+          <p:nvPr isPhoto="0" userDrawn="0"/>
+        </p:nvSpPr>
+        <p:spPr bwMode="auto">
+          <a:xfrm flipH="0" flipV="0">
+            <a:off x="7970874" y="666749"/>
+            <a:ext cx="4064000" cy="5590812"/>
+          </a:xfrm>
+          <a:prstGeom prst="roundRect">
+            <a:avLst>
+              <a:gd name="adj" fmla="val 6299"/>
+            </a:avLst>
+          </a:prstGeom>
+          <a:solidFill>
+            <a:schemeClr val="accent1">
+              <a:lumMod val="20000"/>
+              <a:lumOff val="80000"/>
+            </a:schemeClr>
+          </a:solidFill>
+          <a:ln w="12700" cap="flat" cmpd="sng" algn="ctr">
+            <a:noFill/>
+            <a:prstDash val="solid"/>
+            <a:miter/>
+          </a:ln>
+        </p:spPr>
+        <p:style>
+          <a:lnRef idx="2">
+            <a:schemeClr val="accent1">
+              <a:shade val="50000"/>
+            </a:schemeClr>
+          </a:lnRef>
+          <a:fillRef idx="1">
+            <a:schemeClr val="accent1"/>
+          </a:fillRef>
+          <a:effectRef idx="0">
+            <a:schemeClr val="accent1"/>
+          </a:effectRef>
+          <a:fontRef idx="minor">
+            <a:schemeClr val="lt1"/>
+          </a:fontRef>
+        </p:style>
+      </p:sp>
+      <p:sp>
+        <p:nvSpPr>
+          <p:cNvPr id="1947735263" name="Title 1" hidden="0"/>
+          <p:cNvSpPr>
+            <a:spLocks noGrp="1"/>
+          </p:cNvSpPr>
+          <p:nvPr isPhoto="0" userDrawn="0">
+            <p:ph type="title" hasCustomPrompt="0"/>
+          </p:nvPr>
+        </p:nvSpPr>
+        <p:spPr bwMode="auto">
+          <a:xfrm flipH="0" flipV="0">
+            <a:off x="493749" y="225465"/>
+            <a:ext cx="10860050" cy="760555"/>
+          </a:xfrm>
+        </p:spPr>
+        <p:txBody>
+          <a:bodyPr vertOverflow="overflow" horzOverflow="clip" vert="horz" wrap="square" lIns="91440" tIns="45720" rIns="91440" bIns="45720" numCol="1" spcCol="0" rtlCol="0" fromWordArt="0" anchor="ctr" anchorCtr="0" forceAA="0" upright="0" compatLnSpc="0">
+            <a:normAutofit fontScale="90000" lnSpcReduction="2000"/>
+          </a:bodyPr>
+          <a:lstStyle/>
+          <a:p>
+            <a:pPr>
+              <a:defRPr/>
+            </a:pPr>
+            <a:r>
+              <a:rPr sz="3600"/>
+              <a:t>Result 2: End-to-End MSR6 </a:t>
+            </a:r>
+            <a:r>
+              <a:rPr sz="2800"/>
+              <a:t>architecture reqs./goals</a:t>
+            </a:r>
+            <a:br>
+              <a:rPr sz="3600"/>
+            </a:br>
+            <a:r>
+              <a:rPr sz="3600"/>
+              <a:t>“Host based”</a:t>
+            </a:r>
+            <a:endParaRPr sz="3600"/>
+          </a:p>
+        </p:txBody>
+      </p:sp>
+      <p:sp>
+        <p:nvSpPr>
+          <p:cNvPr id="1338394467" name="Content Placeholder 2" hidden="0"/>
+          <p:cNvSpPr>
+            <a:spLocks noGrp="1"/>
+          </p:cNvSpPr>
+          <p:nvPr isPhoto="0" userDrawn="0">
+            <p:ph idx="1" hasCustomPrompt="0"/>
+          </p:nvPr>
+        </p:nvSpPr>
+        <p:spPr bwMode="auto">
+          <a:xfrm flipH="0" flipV="0">
+            <a:off x="441396" y="1238249"/>
+            <a:ext cx="7716652" cy="5556249"/>
+          </a:xfrm>
+        </p:spPr>
+        <p:txBody>
+          <a:bodyPr vertOverflow="overflow" horzOverflow="clip" vert="horz" wrap="square" lIns="91440" tIns="45720" rIns="91440" bIns="45720" numCol="1" spcCol="0" rtlCol="0" fromWordArt="0" anchor="t" anchorCtr="0" forceAA="0" upright="0" compatLnSpc="0">
+            <a:normAutofit/>
+          </a:bodyPr>
+          <a:lstStyle/>
+          <a:p>
+            <a:pPr marL="0" indent="0">
+              <a:buFont typeface="Arial"/>
+              <a:buNone/>
+              <a:defRPr/>
+            </a:pPr>
+            <a:r>
+              <a:rPr sz="1800"/>
+              <a:t>Terminology: </a:t>
+            </a:r>
+            <a:r>
+              <a:rPr sz="1800"/>
+              <a:t>MH: IPv6/MSR6 Host (or router) with MSR6 Application</a:t>
+            </a:r>
+            <a:r>
+              <a:rPr sz="1800"/>
+              <a:t>.</a:t>
+            </a:r>
+            <a:endParaRPr sz="1800"/>
+          </a:p>
+          <a:p>
+            <a:pPr marL="400050" lvl="1" indent="0">
+              <a:buFont typeface="Arial"/>
+              <a:buNone/>
+              <a:defRPr/>
+            </a:pPr>
+            <a:r>
+              <a:rPr lang="en-US" sz="1400" b="0" i="0" u="none" strike="noStrike" cap="none" spc="0">
+                <a:solidFill>
+                  <a:schemeClr val="tx1"/>
+                </a:solidFill>
+                <a:latin typeface="+mn-lt"/>
+                <a:ea typeface="+mn-ea"/>
+                <a:cs typeface="+mn-cs"/>
+              </a:rPr>
+              <a:t>No MSIR/MSER required</a:t>
+            </a:r>
+            <a:endParaRPr lang="en-US" sz="1400" b="0" i="0" u="none" strike="noStrike" cap="none" spc="0">
+              <a:solidFill>
+                <a:schemeClr val="tx1"/>
+              </a:solidFill>
+              <a:latin typeface="Arial"/>
+              <a:ea typeface="Arial"/>
+              <a:cs typeface="Arial"/>
+            </a:endParaRPr>
+          </a:p>
+          <a:p>
+            <a:pPr marL="400050" lvl="1" indent="0">
+              <a:buFont typeface="Arial"/>
+              <a:buNone/>
+              <a:defRPr/>
+            </a:pPr>
+            <a:r>
+              <a:rPr lang="en-US" sz="1400" b="0" i="0" u="none" strike="noStrike" cap="none" spc="0">
+                <a:solidFill>
+                  <a:schemeClr val="tx1"/>
+                </a:solidFill>
+                <a:latin typeface="+mn-lt"/>
+                <a:ea typeface="+mn-ea"/>
+                <a:cs typeface="+mn-cs"/>
+              </a:rPr>
+              <a:t>But easily an add-on  in existing network centric architecture deployments</a:t>
+            </a:r>
+            <a:endParaRPr sz="1800"/>
+          </a:p>
+          <a:p>
+            <a:pPr marL="0" lvl="0" indent="0">
+              <a:buFont typeface="Arial"/>
+              <a:buNone/>
+              <a:defRPr/>
+            </a:pPr>
+            <a:r>
+              <a:rPr lang="en-US" sz="1800" b="0" i="0" u="none" strike="noStrike" cap="none" spc="0">
+                <a:solidFill>
+                  <a:schemeClr val="tx1"/>
+                </a:solidFill>
+                <a:latin typeface="+mn-lt"/>
+                <a:ea typeface="+mn-ea"/>
+                <a:cs typeface="+mn-cs"/>
+              </a:rPr>
+              <a:t>For (use-case examples)</a:t>
+            </a:r>
+            <a:endParaRPr sz="1800"/>
+          </a:p>
+          <a:p>
+            <a:pPr marL="400050" lvl="1" indent="0">
+              <a:buFont typeface="Arial"/>
+              <a:buNone/>
+              <a:defRPr/>
+            </a:pPr>
+            <a:r>
+              <a:rPr lang="en-US" sz="1400" b="0" i="0" u="none" strike="noStrike" cap="none" spc="0">
+                <a:solidFill>
+                  <a:schemeClr val="tx1"/>
+                </a:solidFill>
+                <a:latin typeface="+mn-lt"/>
+                <a:ea typeface="+mn-ea"/>
+                <a:cs typeface="+mn-cs"/>
+              </a:rPr>
+              <a:t>I</a:t>
+            </a:r>
+            <a:r>
+              <a:rPr lang="en-US" sz="1400" b="0" i="0" u="none" strike="noStrike" cap="none" spc="0">
+                <a:solidFill>
+                  <a:schemeClr val="tx1"/>
+                </a:solidFill>
+                <a:latin typeface="+mn-lt"/>
+                <a:ea typeface="+mn-ea"/>
+                <a:cs typeface="+mn-cs"/>
+              </a:rPr>
+              <a:t>PTV Server -&gt; Caches/Streamers in metro SP </a:t>
+            </a:r>
+            <a:endParaRPr sz="1400"/>
+          </a:p>
+          <a:p>
+            <a:pPr marL="400050" lvl="1" indent="0">
+              <a:buFont typeface="Arial"/>
+              <a:buNone/>
+              <a:defRPr/>
+            </a:pPr>
+            <a:r>
+              <a:rPr lang="en-US" sz="1400" b="0" i="0" u="none" strike="noStrike" cap="none" spc="0">
+                <a:solidFill>
+                  <a:schemeClr val="tx1"/>
+                </a:solidFill>
+                <a:latin typeface="+mn-lt"/>
+                <a:ea typeface="+mn-ea"/>
+                <a:cs typeface="+mn-cs"/>
+              </a:rPr>
+              <a:t>Data-Center IPv6 Multicast (stateless on DCN switches!)</a:t>
+            </a:r>
+            <a:endParaRPr sz="1400" b="0" i="0" u="none" strike="noStrike" cap="none" spc="0">
+              <a:solidFill>
+                <a:schemeClr val="tx1"/>
+              </a:solidFill>
+              <a:latin typeface="Arial"/>
+              <a:ea typeface="Arial"/>
+              <a:cs typeface="Arial"/>
+            </a:endParaRPr>
+          </a:p>
+          <a:p>
+            <a:pPr marL="0" lvl="0" indent="0">
+              <a:buFont typeface="Arial"/>
+              <a:buNone/>
+              <a:defRPr/>
+            </a:pPr>
+            <a:endParaRPr lang="en-US" sz="1800" b="0" i="0" u="none" strike="noStrike" cap="none" spc="0">
+              <a:solidFill>
+                <a:schemeClr val="tx1"/>
+              </a:solidFill>
+              <a:latin typeface="Arial"/>
+              <a:ea typeface="Arial"/>
+              <a:cs typeface="Arial"/>
+            </a:endParaRPr>
+          </a:p>
+          <a:p>
+            <a:pPr marL="0" lvl="0" indent="0">
+              <a:buFont typeface="Arial"/>
+              <a:buNone/>
+              <a:defRPr/>
+            </a:pPr>
+            <a:r>
+              <a:rPr lang="en-US" sz="1800" b="0" i="0" u="none" strike="noStrike" cap="none" spc="0">
+                <a:solidFill>
+                  <a:schemeClr val="tx1"/>
+                </a:solidFill>
+                <a:latin typeface="+mn-lt"/>
+                <a:ea typeface="+mn-ea"/>
+                <a:cs typeface="+mn-cs"/>
+              </a:rPr>
+              <a:t>Support for Host is Router</a:t>
+            </a:r>
+            <a:endParaRPr lang="en-US" sz="1800" b="0" i="0" u="none" strike="noStrike" cap="none" spc="0">
+              <a:solidFill>
+                <a:schemeClr val="tx1"/>
+              </a:solidFill>
+              <a:latin typeface="Arial"/>
+              <a:ea typeface="Arial"/>
+              <a:cs typeface="Arial"/>
+            </a:endParaRPr>
+          </a:p>
+          <a:p>
+            <a:pPr marL="400050" lvl="1" indent="0">
+              <a:buFont typeface="Arial"/>
+              <a:buNone/>
+              <a:defRPr/>
+            </a:pPr>
+            <a:r>
+              <a:rPr lang="en-US" sz="1400" b="0" i="0" u="none" strike="noStrike" cap="none" spc="0">
+                <a:solidFill>
+                  <a:schemeClr val="tx1"/>
+                </a:solidFill>
+                <a:latin typeface="+mn-lt"/>
+                <a:ea typeface="+mn-ea"/>
+                <a:cs typeface="+mn-cs"/>
+              </a:rPr>
+              <a:t>Eg.: DC Server running all necessary routing (BGP, IGP)</a:t>
+            </a:r>
+            <a:endParaRPr sz="1400"/>
+          </a:p>
+          <a:p>
+            <a:pPr marL="800100" lvl="2" indent="0">
+              <a:buFont typeface="Arial"/>
+              <a:buNone/>
+              <a:defRPr/>
+            </a:pPr>
+            <a:r>
+              <a:rPr lang="en-US" sz="1400" b="0" i="0" u="none" strike="noStrike" cap="none" spc="0">
+                <a:solidFill>
+                  <a:schemeClr val="tx1"/>
+                </a:solidFill>
+                <a:latin typeface="+mn-lt"/>
+                <a:ea typeface="+mn-ea"/>
+                <a:cs typeface="+mn-cs"/>
+              </a:rPr>
+              <a:t>E.g.:  </a:t>
+            </a:r>
+            <a:r>
+              <a:rPr lang="en-US" sz="1400" b="0" i="0" u="none" strike="noStrike" cap="none" spc="0">
+                <a:solidFill>
+                  <a:schemeClr val="tx1"/>
+                </a:solidFill>
+                <a:latin typeface="Arial"/>
+                <a:ea typeface="Arial"/>
+                <a:cs typeface="Arial"/>
+              </a:rPr>
+              <a:t> trusted Hypervisor</a:t>
+            </a:r>
+            <a:r>
+              <a:rPr lang="en-US" sz="1400" b="0" i="0" u="none" strike="noStrike" cap="none" spc="0">
+                <a:solidFill>
+                  <a:schemeClr val="tx1"/>
+                </a:solidFill>
+                <a:latin typeface="Arial"/>
+                <a:ea typeface="Arial"/>
+                <a:cs typeface="Arial"/>
+              </a:rPr>
+              <a:t> </a:t>
+            </a:r>
+            <a:endParaRPr sz="1400" b="0" i="0" u="none" strike="noStrike" cap="none" spc="0">
+              <a:solidFill>
+                <a:schemeClr val="tx1"/>
+              </a:solidFill>
+              <a:latin typeface="Arial"/>
+              <a:ea typeface="Arial"/>
+              <a:cs typeface="Arial"/>
+            </a:endParaRPr>
+          </a:p>
+          <a:p>
+            <a:pPr marL="400050" lvl="1" indent="0">
+              <a:buFont typeface="Arial"/>
+              <a:buNone/>
+              <a:defRPr/>
+            </a:pPr>
+            <a:r>
+              <a:rPr sz="1400"/>
+              <a:t>Much easier and important for native IPv6 than BIER (IMHO)</a:t>
+            </a:r>
+            <a:r>
+              <a:rPr sz="1000"/>
+              <a:t> </a:t>
+            </a:r>
+            <a:endParaRPr sz="1400"/>
+          </a:p>
+          <a:p>
+            <a:pPr marL="0" lvl="0" indent="0">
+              <a:buFont typeface="Arial"/>
+              <a:buNone/>
+              <a:defRPr/>
+            </a:pPr>
+            <a:r>
+              <a:rPr sz="1800"/>
+              <a:t>Host API for native source-driven multicast</a:t>
+            </a:r>
+            <a:endParaRPr sz="1800"/>
+          </a:p>
+          <a:p>
+            <a:pPr marL="400050" lvl="1" indent="0">
+              <a:buFont typeface="Arial"/>
+              <a:buNone/>
+              <a:defRPr/>
+            </a:pPr>
+            <a:r>
+              <a:rPr sz="1400"/>
+              <a:t>Eliminates IP Multicast (RFC1112), SSM (RFC3678) API where not ideal for apps</a:t>
+            </a:r>
+            <a:endParaRPr sz="1400"/>
+          </a:p>
+          <a:p>
+            <a:pPr marL="400050" lvl="1" indent="0">
+              <a:buFont typeface="Arial"/>
+              <a:buNone/>
+              <a:defRPr/>
+            </a:pPr>
+            <a:r>
+              <a:rPr sz="1400"/>
+              <a:t>E.g.: adaptive streaming cache to subscriber (per-packet functionality)</a:t>
+            </a:r>
+            <a:r>
+              <a:rPr sz="2200"/>
+              <a:t> </a:t>
+            </a:r>
+            <a:endParaRPr sz="1800"/>
+          </a:p>
+          <a:p>
+            <a:pPr marL="0" lvl="0" indent="0">
+              <a:buFont typeface="Arial"/>
+              <a:buNone/>
+              <a:defRPr/>
+            </a:pPr>
+            <a:endParaRPr sz="2000"/>
+          </a:p>
+          <a:p>
+            <a:pPr marL="0" lvl="0" indent="0">
+              <a:buFont typeface="Arial"/>
+              <a:buNone/>
+              <a:defRPr/>
+            </a:pPr>
+            <a:r>
+              <a:rPr sz="1800"/>
+              <a:t>Support for Host is not router</a:t>
+            </a:r>
+            <a:endParaRPr sz="1800"/>
+          </a:p>
+          <a:p>
+            <a:pPr marL="400050" lvl="1" indent="0">
+              <a:buFont typeface="Arial"/>
+              <a:buNone/>
+              <a:defRPr/>
+            </a:pPr>
+            <a:r>
+              <a:rPr sz="1400"/>
+              <a:t>More novel network&lt;-&gt;host signaling to explore (e.g.: PCEP ?)</a:t>
+            </a:r>
+            <a:endParaRPr sz="1400"/>
+          </a:p>
+          <a:p>
+            <a:pPr marL="400050" lvl="1" indent="0">
+              <a:buFont typeface="Arial"/>
+              <a:buNone/>
+              <a:defRPr/>
+            </a:pPr>
+            <a:r>
+              <a:rPr sz="1400"/>
+              <a:t>Use-cases: IoT (MANET/ROLL ?), Industrial</a:t>
+            </a:r>
+            <a:r>
+              <a:rPr sz="1400"/>
+              <a:t>, Enterprise</a:t>
+            </a:r>
+            <a:endParaRPr sz="1400"/>
+          </a:p>
+        </p:txBody>
+      </p:sp>
+      <p:sp>
+        <p:nvSpPr>
+          <p:cNvPr id="1929164048" name="" hidden="0"/>
+          <p:cNvSpPr txBox="1"/>
+          <p:nvPr isPhoto="0" userDrawn="0"/>
+        </p:nvSpPr>
+        <p:spPr bwMode="auto">
+          <a:xfrm flipH="0" flipV="0">
+            <a:off x="9798518" y="759884"/>
+            <a:ext cx="976914" cy="365794"/>
+          </a:xfrm>
+          <a:prstGeom prst="rect">
+            <a:avLst/>
+          </a:prstGeom>
+          <a:noFill/>
+          <a:ln w="19049">
+            <a:solidFill>
+              <a:schemeClr val="accent1">
+                <a:lumMod val="50196"/>
+              </a:schemeClr>
+            </a:solidFill>
+            <a:prstDash val="solid"/>
+          </a:ln>
+        </p:spPr>
+        <p:txBody>
+          <a:bodyPr vertOverflow="overflow" horzOverflow="clip" vert="horz" wrap="square" lIns="91440" tIns="45720" rIns="91440" bIns="45720" numCol="1" spcCol="0" rtlCol="0" fromWordArt="0" anchor="t" anchorCtr="0" forceAA="0" upright="0" compatLnSpc="0">
+            <a:spAutoFit/>
+          </a:bodyPr>
+          <a:p>
+            <a:pPr algn="ctr">
+              <a:defRPr/>
+            </a:pPr>
+            <a:r>
+              <a:rPr/>
+              <a:t>MH1</a:t>
+            </a:r>
+            <a:endParaRPr>
+              <a:highlight>
+                <a:srgbClr val="FFFFFF"/>
+              </a:highlight>
+            </a:endParaRPr>
+          </a:p>
+        </p:txBody>
+      </p:sp>
+      <p:sp>
+        <p:nvSpPr>
+          <p:cNvPr id="1319480131" name="" hidden="0"/>
+          <p:cNvSpPr txBox="1"/>
+          <p:nvPr isPhoto="0" userDrawn="0"/>
+        </p:nvSpPr>
+        <p:spPr bwMode="auto">
+          <a:xfrm flipH="0" flipV="0">
+            <a:off x="10616646" y="4902255"/>
+            <a:ext cx="1157116" cy="365795"/>
+          </a:xfrm>
+          <a:prstGeom prst="rect">
+            <a:avLst/>
+          </a:prstGeom>
+          <a:noFill/>
+          <a:ln w="19049">
+            <a:solidFill>
+              <a:schemeClr val="accent1">
+                <a:lumMod val="50196"/>
+              </a:schemeClr>
+            </a:solidFill>
+            <a:prstDash val="solid"/>
+          </a:ln>
+        </p:spPr>
+        <p:txBody>
+          <a:bodyPr vertOverflow="overflow" horzOverflow="clip" vert="horz" wrap="square" lIns="91440" tIns="45720" rIns="91440" bIns="45720" numCol="1" spcCol="0" rtlCol="0" fromWordArt="0" anchor="t" anchorCtr="0" forceAA="0" upright="0" compatLnSpc="0">
+            <a:spAutoFit/>
+          </a:bodyPr>
+          <a:p>
+            <a:pPr algn="ctr">
+              <a:defRPr/>
+            </a:pPr>
+            <a:r>
+              <a:rPr/>
+              <a:t>MSRi</a:t>
+            </a:r>
+            <a:endParaRPr/>
+          </a:p>
+        </p:txBody>
+      </p:sp>
+      <p:sp>
+        <p:nvSpPr>
+          <p:cNvPr id="431503090" name="" hidden="0"/>
+          <p:cNvSpPr txBox="1"/>
+          <p:nvPr isPhoto="0" userDrawn="0"/>
+        </p:nvSpPr>
+        <p:spPr bwMode="auto">
+          <a:xfrm flipH="0" flipV="0">
+            <a:off x="9927009" y="1578756"/>
+            <a:ext cx="989692" cy="365795"/>
+          </a:xfrm>
+          <a:prstGeom prst="rect">
+            <a:avLst/>
+          </a:prstGeom>
+          <a:noFill/>
+          <a:ln w="19049">
+            <a:solidFill>
+              <a:schemeClr val="accent1">
+                <a:lumMod val="50196"/>
+              </a:schemeClr>
+            </a:solidFill>
+            <a:prstDash val="solid"/>
+          </a:ln>
+        </p:spPr>
+        <p:txBody>
+          <a:bodyPr vertOverflow="overflow" horzOverflow="clip" vert="horz" wrap="square" lIns="91440" tIns="45720" rIns="91440" bIns="45720" numCol="1" spcCol="0" rtlCol="0" fromWordArt="0" anchor="t" anchorCtr="0" forceAA="0" upright="0" compatLnSpc="0">
+            <a:spAutoFit/>
+          </a:bodyPr>
+          <a:p>
+            <a:pPr algn="ctr">
+              <a:defRPr/>
+            </a:pPr>
+            <a:r>
+              <a:rPr/>
+              <a:t>MSRa</a:t>
+            </a:r>
+            <a:endParaRPr/>
+          </a:p>
+        </p:txBody>
+      </p:sp>
+      <p:sp>
+        <p:nvSpPr>
+          <p:cNvPr id="723544555" name="" hidden="0"/>
+          <p:cNvSpPr txBox="1"/>
+          <p:nvPr isPhoto="0" userDrawn="0"/>
+        </p:nvSpPr>
+        <p:spPr bwMode="auto">
+          <a:xfrm flipH="0" flipV="0">
+            <a:off x="9035552" y="4902255"/>
+            <a:ext cx="1157223" cy="365795"/>
+          </a:xfrm>
+          <a:prstGeom prst="rect">
+            <a:avLst/>
+          </a:prstGeom>
+          <a:noFill/>
+          <a:ln w="19049">
+            <a:solidFill>
+              <a:schemeClr val="accent1">
+                <a:lumMod val="50196"/>
+              </a:schemeClr>
+            </a:solidFill>
+            <a:prstDash val="solid"/>
+          </a:ln>
+        </p:spPr>
+        <p:txBody>
+          <a:bodyPr vertOverflow="overflow" horzOverflow="clip" vert="horz" wrap="square" lIns="91440" tIns="45720" rIns="91440" bIns="45720" numCol="1" spcCol="0" rtlCol="0" fromWordArt="0" anchor="t" anchorCtr="0" forceAA="0" upright="0" compatLnSpc="0">
+            <a:spAutoFit/>
+          </a:bodyPr>
+          <a:p>
+            <a:pPr algn="ctr">
+              <a:defRPr/>
+            </a:pPr>
+            <a:r>
+              <a:rPr/>
+              <a:t>MSRh</a:t>
+            </a:r>
+            <a:endParaRPr/>
+          </a:p>
+        </p:txBody>
+      </p:sp>
+      <p:sp>
+        <p:nvSpPr>
+          <p:cNvPr id="1615002319" name="" hidden="0"/>
+          <p:cNvSpPr txBox="1"/>
+          <p:nvPr isPhoto="0" userDrawn="0"/>
+        </p:nvSpPr>
+        <p:spPr bwMode="auto">
+          <a:xfrm flipH="0" flipV="0">
+            <a:off x="10192561" y="2416615"/>
+            <a:ext cx="848279" cy="365795"/>
+          </a:xfrm>
+          <a:prstGeom prst="rect">
+            <a:avLst/>
+          </a:prstGeom>
+          <a:noFill/>
+          <a:ln w="19049">
+            <a:solidFill>
+              <a:schemeClr val="accent1">
+                <a:lumMod val="50196"/>
+              </a:schemeClr>
+            </a:solidFill>
+            <a:prstDash val="solid"/>
+          </a:ln>
+        </p:spPr>
+        <p:txBody>
+          <a:bodyPr vertOverflow="overflow" horzOverflow="clip" vert="horz" wrap="square" lIns="91440" tIns="45720" rIns="91440" bIns="45720" numCol="1" spcCol="0" rtlCol="0" fromWordArt="0" anchor="t" anchorCtr="0" forceAA="0" upright="0" compatLnSpc="0">
+            <a:spAutoFit/>
+          </a:bodyPr>
+          <a:p>
+            <a:pPr>
+              <a:defRPr/>
+            </a:pPr>
+            <a:r>
+              <a:rPr/>
+              <a:t>MSRc</a:t>
+            </a:r>
+            <a:endParaRPr/>
+          </a:p>
+        </p:txBody>
+      </p:sp>
+      <p:sp>
+        <p:nvSpPr>
+          <p:cNvPr id="1982515729" name="" hidden="0"/>
+          <p:cNvSpPr txBox="1"/>
+          <p:nvPr isPhoto="0" userDrawn="0"/>
+        </p:nvSpPr>
+        <p:spPr bwMode="auto">
+          <a:xfrm flipH="0" flipV="0">
+            <a:off x="10770922" y="3182005"/>
+            <a:ext cx="848315" cy="365794"/>
+          </a:xfrm>
+          <a:prstGeom prst="rect">
+            <a:avLst/>
+          </a:prstGeom>
+          <a:noFill/>
+          <a:ln w="19049">
+            <a:solidFill>
+              <a:schemeClr val="accent1">
+                <a:lumMod val="50196"/>
+              </a:schemeClr>
+            </a:solidFill>
+            <a:prstDash val="solid"/>
+          </a:ln>
+        </p:spPr>
+        <p:txBody>
+          <a:bodyPr vertOverflow="overflow" horzOverflow="clip" vert="horz" wrap="square" lIns="91440" tIns="45720" rIns="91440" bIns="45720" numCol="1" spcCol="0" rtlCol="0" fromWordArt="0" anchor="t" anchorCtr="0" forceAA="0" upright="0" compatLnSpc="0">
+            <a:spAutoFit/>
+          </a:bodyPr>
+          <a:p>
+            <a:pPr algn="ctr">
+              <a:defRPr/>
+            </a:pPr>
+            <a:r>
+              <a:rPr/>
+              <a:t>R1</a:t>
+            </a:r>
+            <a:endParaRPr/>
+          </a:p>
+        </p:txBody>
+      </p:sp>
+      <p:sp>
+        <p:nvSpPr>
+          <p:cNvPr id="227280439" name="" hidden="0"/>
+          <p:cNvSpPr txBox="1"/>
+          <p:nvPr isPhoto="0" userDrawn="0"/>
+        </p:nvSpPr>
+        <p:spPr bwMode="auto">
+          <a:xfrm flipH="0" flipV="0">
+            <a:off x="10775396" y="4030431"/>
+            <a:ext cx="848459" cy="365795"/>
+          </a:xfrm>
+          <a:prstGeom prst="rect">
+            <a:avLst/>
+          </a:prstGeom>
+          <a:noFill/>
+          <a:ln w="19049">
+            <a:solidFill>
+              <a:schemeClr val="accent1">
+                <a:lumMod val="50196"/>
+              </a:schemeClr>
+            </a:solidFill>
+            <a:prstDash val="solid"/>
+          </a:ln>
+        </p:spPr>
+        <p:txBody>
+          <a:bodyPr vertOverflow="overflow" horzOverflow="clip" vert="horz" wrap="square" lIns="91440" tIns="45720" rIns="91440" bIns="45720" numCol="1" spcCol="0" rtlCol="0" fromWordArt="0" anchor="t" anchorCtr="0" forceAA="0" upright="0" compatLnSpc="0">
+            <a:spAutoFit/>
+          </a:bodyPr>
+          <a:p>
+            <a:pPr>
+              <a:defRPr/>
+            </a:pPr>
+            <a:r>
+              <a:rPr/>
+              <a:t>MSRg</a:t>
+            </a:r>
+            <a:endParaRPr/>
+          </a:p>
+        </p:txBody>
+      </p:sp>
+      <p:sp>
+        <p:nvSpPr>
+          <p:cNvPr id="2090503656" name="" hidden="0"/>
+          <p:cNvSpPr txBox="1"/>
+          <p:nvPr isPhoto="0" userDrawn="0"/>
+        </p:nvSpPr>
+        <p:spPr bwMode="auto">
+          <a:xfrm flipH="0" flipV="0">
+            <a:off x="10616664" y="5750120"/>
+            <a:ext cx="1041808" cy="365794"/>
+          </a:xfrm>
+          <a:prstGeom prst="rect">
+            <a:avLst/>
+          </a:prstGeom>
+          <a:noFill/>
+          <a:ln w="19049">
+            <a:solidFill>
+              <a:schemeClr val="accent1">
+                <a:lumMod val="50196"/>
+              </a:schemeClr>
+            </a:solidFill>
+            <a:prstDash val="solid"/>
+          </a:ln>
+        </p:spPr>
+        <p:txBody>
+          <a:bodyPr vertOverflow="overflow" horzOverflow="clip" vert="horz" wrap="square" lIns="91440" tIns="45720" rIns="91440" bIns="45720" numCol="1" spcCol="0" rtlCol="0" fromWordArt="0" anchor="t" anchorCtr="0" forceAA="0" upright="0" compatLnSpc="0">
+            <a:spAutoFit/>
+          </a:bodyPr>
+          <a:p>
+            <a:pPr algn="ctr">
+              <a:defRPr/>
+            </a:pPr>
+            <a:r>
+              <a:rPr/>
+              <a:t>MH3</a:t>
+            </a:r>
+            <a:endParaRPr>
+              <a:highlight>
+                <a:srgbClr val="FFFFFF"/>
+              </a:highlight>
+            </a:endParaRPr>
+          </a:p>
+        </p:txBody>
+      </p:sp>
+      <p:sp>
+        <p:nvSpPr>
+          <p:cNvPr id="1213972505" name="" hidden="0"/>
+          <p:cNvSpPr txBox="1"/>
+          <p:nvPr isPhoto="0" userDrawn="0"/>
+        </p:nvSpPr>
+        <p:spPr bwMode="auto">
+          <a:xfrm flipH="0" flipV="0">
+            <a:off x="9256797" y="5750120"/>
+            <a:ext cx="1000184" cy="365794"/>
+          </a:xfrm>
+          <a:prstGeom prst="rect">
+            <a:avLst/>
+          </a:prstGeom>
+          <a:noFill/>
+          <a:ln w="19049">
+            <a:solidFill>
+              <a:schemeClr val="accent1">
+                <a:lumMod val="50196"/>
+              </a:schemeClr>
+            </a:solidFill>
+            <a:prstDash val="solid"/>
+          </a:ln>
+        </p:spPr>
+        <p:txBody>
+          <a:bodyPr vertOverflow="overflow" horzOverflow="clip" vert="horz" wrap="square" lIns="91440" tIns="45720" rIns="91440" bIns="45720" numCol="1" spcCol="0" rtlCol="0" fromWordArt="0" anchor="t" anchorCtr="0" forceAA="0" upright="0" compatLnSpc="0">
+            <a:spAutoFit/>
+          </a:bodyPr>
+          <a:p>
+            <a:pPr algn="ctr">
+              <a:defRPr/>
+            </a:pPr>
+            <a:r>
+              <a:rPr/>
+              <a:t>MH2</a:t>
+            </a:r>
+            <a:endParaRPr>
+              <a:highlight>
+                <a:srgbClr val="FFFFFF"/>
+              </a:highlight>
+            </a:endParaRPr>
+          </a:p>
+        </p:txBody>
+      </p:sp>
+      <p:sp>
+        <p:nvSpPr>
+          <p:cNvPr id="665578372" name="" hidden="0"/>
+          <p:cNvSpPr txBox="1"/>
+          <p:nvPr isPhoto="0" userDrawn="0"/>
+        </p:nvSpPr>
+        <p:spPr bwMode="auto">
+          <a:xfrm flipH="0" flipV="0">
+            <a:off x="9462472" y="3664635"/>
+            <a:ext cx="848387" cy="365795"/>
+          </a:xfrm>
+          <a:prstGeom prst="rect">
+            <a:avLst/>
+          </a:prstGeom>
+          <a:noFill/>
+          <a:ln w="19049">
+            <a:solidFill>
+              <a:schemeClr val="accent1">
+                <a:lumMod val="50196"/>
+              </a:schemeClr>
+            </a:solidFill>
+            <a:prstDash val="solid"/>
+          </a:ln>
+        </p:spPr>
+        <p:txBody>
+          <a:bodyPr vertOverflow="overflow" horzOverflow="clip" vert="horz" wrap="square" lIns="91440" tIns="45720" rIns="91440" bIns="45720" numCol="1" spcCol="0" rtlCol="0" fromWordArt="0" anchor="t" anchorCtr="0" forceAA="0" upright="0" compatLnSpc="0">
+            <a:spAutoFit/>
+          </a:bodyPr>
+          <a:p>
+            <a:pPr>
+              <a:defRPr/>
+            </a:pPr>
+            <a:r>
+              <a:rPr/>
+              <a:t>MSRe</a:t>
+            </a:r>
+            <a:endParaRPr/>
+          </a:p>
+        </p:txBody>
+      </p:sp>
+      <p:sp>
+        <p:nvSpPr>
+          <p:cNvPr id="1490508997" name="" hidden="0"/>
+          <p:cNvSpPr txBox="1"/>
+          <p:nvPr isPhoto="0" userDrawn="0"/>
+        </p:nvSpPr>
+        <p:spPr bwMode="auto">
+          <a:xfrm flipH="0" flipV="0">
+            <a:off x="8792242" y="2471841"/>
+            <a:ext cx="848387" cy="365795"/>
+          </a:xfrm>
+          <a:prstGeom prst="rect">
+            <a:avLst/>
+          </a:prstGeom>
+          <a:noFill/>
+          <a:ln w="19049">
+            <a:solidFill>
+              <a:schemeClr val="accent1">
+                <a:lumMod val="50196"/>
+              </a:schemeClr>
+            </a:solidFill>
+            <a:prstDash val="solid"/>
+          </a:ln>
+        </p:spPr>
+        <p:txBody>
+          <a:bodyPr vertOverflow="overflow" horzOverflow="clip" vert="horz" wrap="square" lIns="91440" tIns="45720" rIns="91440" bIns="45720" numCol="1" spcCol="0" rtlCol="0" fromWordArt="0" anchor="t" anchorCtr="0" forceAA="0" upright="0" compatLnSpc="0">
+            <a:spAutoFit/>
+          </a:bodyPr>
+          <a:p>
+            <a:pPr>
+              <a:defRPr/>
+            </a:pPr>
+            <a:r>
+              <a:rPr/>
+              <a:t>MSRb</a:t>
+            </a:r>
+            <a:endParaRPr/>
+          </a:p>
+        </p:txBody>
+      </p:sp>
+      <p:sp>
+        <p:nvSpPr>
+          <p:cNvPr id="1592792581" name="" hidden="0"/>
+          <p:cNvSpPr txBox="1"/>
+          <p:nvPr isPhoto="0" userDrawn="0"/>
+        </p:nvSpPr>
+        <p:spPr bwMode="auto">
+          <a:xfrm flipH="0" flipV="0">
+            <a:off x="8368031" y="3298839"/>
+            <a:ext cx="848459" cy="365795"/>
+          </a:xfrm>
+          <a:prstGeom prst="rect">
+            <a:avLst/>
+          </a:prstGeom>
+          <a:noFill/>
+          <a:ln w="19049">
+            <a:solidFill>
+              <a:schemeClr val="accent1">
+                <a:lumMod val="50196"/>
+              </a:schemeClr>
+            </a:solidFill>
+            <a:prstDash val="solid"/>
+          </a:ln>
+        </p:spPr>
+        <p:txBody>
+          <a:bodyPr vertOverflow="overflow" horzOverflow="clip" vert="horz" wrap="square" lIns="91440" tIns="45720" rIns="91440" bIns="45720" numCol="1" spcCol="0" rtlCol="0" fromWordArt="0" anchor="t" anchorCtr="0" forceAA="0" upright="0" compatLnSpc="0">
+            <a:spAutoFit/>
+          </a:bodyPr>
+          <a:p>
+            <a:pPr>
+              <a:defRPr/>
+            </a:pPr>
+            <a:r>
+              <a:rPr/>
+              <a:t>MSRd</a:t>
+            </a:r>
+            <a:endParaRPr/>
+          </a:p>
+        </p:txBody>
+      </p:sp>
+      <p:sp>
+        <p:nvSpPr>
+          <p:cNvPr id="746525424" name="" hidden="0"/>
+          <p:cNvSpPr txBox="1"/>
+          <p:nvPr isPhoto="0" userDrawn="0"/>
+        </p:nvSpPr>
+        <p:spPr bwMode="auto">
+          <a:xfrm flipH="0" flipV="0">
+            <a:off x="8158051" y="4030431"/>
+            <a:ext cx="848387" cy="365795"/>
+          </a:xfrm>
+          <a:prstGeom prst="rect">
+            <a:avLst/>
+          </a:prstGeom>
+          <a:noFill/>
+          <a:ln w="19049">
+            <a:solidFill>
+              <a:schemeClr val="accent1">
+                <a:lumMod val="50196"/>
+              </a:schemeClr>
+            </a:solidFill>
+            <a:prstDash val="solid"/>
+          </a:ln>
+        </p:spPr>
+        <p:txBody>
+          <a:bodyPr vertOverflow="overflow" horzOverflow="clip" vert="horz" wrap="square" lIns="91440" tIns="45720" rIns="91440" bIns="45720" numCol="1" spcCol="0" rtlCol="0" fromWordArt="0" anchor="t" anchorCtr="0" forceAA="0" upright="0" compatLnSpc="0">
+            <a:spAutoFit/>
+          </a:bodyPr>
+          <a:p>
+            <a:pPr>
+              <a:defRPr/>
+            </a:pPr>
+            <a:r>
+              <a:rPr/>
+              <a:t>MSRf</a:t>
+            </a:r>
+            <a:endParaRPr/>
+          </a:p>
+        </p:txBody>
+      </p:sp>
+      <p:cxnSp>
+        <p:nvCxnSpPr>
+          <p:cNvPr id="1830702874" name="" hidden="0"/>
+          <p:cNvCxnSpPr>
+            <a:cxnSpLocks/>
+          </p:cNvCxnSpPr>
+          <p:nvPr isPhoto="0" userDrawn="0"/>
+        </p:nvCxnSpPr>
+        <p:spPr bwMode="auto">
+          <a:xfrm rot="16199969" flipH="0" flipV="0">
+            <a:off x="10073846" y="1341850"/>
+            <a:ext cx="467557" cy="6252"/>
+          </a:xfrm>
+          <a:prstGeom prst="line">
+            <a:avLst/>
+          </a:prstGeom>
+          <a:ln w="38099" cap="flat" cmpd="sng" algn="ctr">
+            <a:solidFill>
+              <a:schemeClr val="tx1"/>
+            </a:solidFill>
+            <a:prstDash val="solid"/>
+            <a:miter/>
+          </a:ln>
+        </p:spPr>
+        <p:style>
+          <a:lnRef idx="1">
+            <a:schemeClr val="accent1">
+              <a:shade val="50000"/>
+            </a:schemeClr>
+          </a:lnRef>
+          <a:fillRef idx="0">
+            <a:schemeClr val="accent1"/>
+          </a:fillRef>
+          <a:effectRef idx="0">
+            <a:schemeClr val="accent1"/>
+          </a:effectRef>
+          <a:fontRef idx="minor">
+            <a:schemeClr val="tx1"/>
+          </a:fontRef>
+        </p:style>
+      </p:cxnSp>
+      <p:cxnSp>
+        <p:nvCxnSpPr>
+          <p:cNvPr id="9829693" name="" hidden="0"/>
+          <p:cNvCxnSpPr>
+            <a:cxnSpLocks/>
+          </p:cNvCxnSpPr>
+          <p:nvPr isPhoto="0" userDrawn="0"/>
+        </p:nvCxnSpPr>
+        <p:spPr bwMode="auto">
+          <a:xfrm rot="16199969" flipH="0" flipV="0">
+            <a:off x="10264347" y="2175205"/>
+            <a:ext cx="467557" cy="6252"/>
+          </a:xfrm>
+          <a:prstGeom prst="line">
+            <a:avLst/>
+          </a:prstGeom>
+          <a:ln w="38099" cap="flat" cmpd="sng" algn="ctr">
+            <a:solidFill>
+              <a:schemeClr val="tx1"/>
+            </a:solidFill>
+            <a:prstDash val="solid"/>
+            <a:miter/>
+          </a:ln>
+        </p:spPr>
+        <p:style>
+          <a:lnRef idx="1">
+            <a:schemeClr val="accent1">
+              <a:shade val="50000"/>
+            </a:schemeClr>
+          </a:lnRef>
+          <a:fillRef idx="0">
+            <a:schemeClr val="accent1"/>
+          </a:fillRef>
+          <a:effectRef idx="0">
+            <a:schemeClr val="accent1"/>
+          </a:effectRef>
+          <a:fontRef idx="minor">
+            <a:schemeClr val="tx1"/>
+          </a:fontRef>
+        </p:style>
+      </p:cxnSp>
+      <p:cxnSp>
+        <p:nvCxnSpPr>
+          <p:cNvPr id="1273265431" name="" hidden="0"/>
+          <p:cNvCxnSpPr>
+            <a:cxnSpLocks/>
+          </p:cNvCxnSpPr>
+          <p:nvPr isPhoto="0" userDrawn="0"/>
+        </p:nvCxnSpPr>
+        <p:spPr bwMode="auto">
+          <a:xfrm rot="16199969" flipH="0" flipV="0">
+            <a:off x="9493191" y="1708158"/>
+            <a:ext cx="527288" cy="1000076"/>
+          </a:xfrm>
+          <a:prstGeom prst="line">
+            <a:avLst/>
+          </a:prstGeom>
+          <a:ln w="38099" cap="flat" cmpd="sng" algn="ctr">
+            <a:solidFill>
+              <a:schemeClr val="tx1"/>
+            </a:solidFill>
+            <a:prstDash val="solid"/>
+            <a:miter/>
+          </a:ln>
+        </p:spPr>
+        <p:style>
+          <a:lnRef idx="1">
+            <a:schemeClr val="accent1">
+              <a:shade val="50000"/>
+            </a:schemeClr>
+          </a:lnRef>
+          <a:fillRef idx="0">
+            <a:schemeClr val="accent1"/>
+          </a:fillRef>
+          <a:effectRef idx="0">
+            <a:schemeClr val="accent1"/>
+          </a:effectRef>
+          <a:fontRef idx="minor">
+            <a:schemeClr val="tx1"/>
+          </a:fontRef>
+        </p:style>
+      </p:cxnSp>
+      <p:cxnSp>
+        <p:nvCxnSpPr>
+          <p:cNvPr id="2099534981" name="" hidden="0"/>
+          <p:cNvCxnSpPr>
+            <a:cxnSpLocks/>
+          </p:cNvCxnSpPr>
+          <p:nvPr isPhoto="0" userDrawn="0"/>
+        </p:nvCxnSpPr>
+        <p:spPr bwMode="auto">
+          <a:xfrm rot="16199969" flipH="0" flipV="1">
+            <a:off x="10731632" y="2767763"/>
+            <a:ext cx="344367" cy="484115"/>
+          </a:xfrm>
+          <a:prstGeom prst="line">
+            <a:avLst/>
+          </a:prstGeom>
+          <a:ln w="38099" cap="flat" cmpd="sng" algn="ctr">
+            <a:solidFill>
+              <a:schemeClr val="tx1"/>
+            </a:solidFill>
+            <a:prstDash val="solid"/>
+            <a:miter/>
+          </a:ln>
+        </p:spPr>
+        <p:style>
+          <a:lnRef idx="1">
+            <a:schemeClr val="accent1">
+              <a:shade val="50000"/>
+            </a:schemeClr>
+          </a:lnRef>
+          <a:fillRef idx="0">
+            <a:schemeClr val="accent1"/>
+          </a:fillRef>
+          <a:effectRef idx="0">
+            <a:schemeClr val="accent1"/>
+          </a:effectRef>
+          <a:fontRef idx="minor">
+            <a:schemeClr val="tx1"/>
+          </a:fontRef>
+        </p:style>
+      </p:cxnSp>
+      <p:cxnSp>
+        <p:nvCxnSpPr>
+          <p:cNvPr id="946225406" name="" hidden="0"/>
+          <p:cNvCxnSpPr>
+            <a:cxnSpLocks/>
+          </p:cNvCxnSpPr>
+          <p:nvPr isPhoto="0" userDrawn="0"/>
+        </p:nvCxnSpPr>
+        <p:spPr bwMode="auto">
+          <a:xfrm rot="16199969" flipH="0" flipV="0">
+            <a:off x="9733116" y="2991133"/>
+            <a:ext cx="826996" cy="520004"/>
+          </a:xfrm>
+          <a:prstGeom prst="line">
+            <a:avLst/>
+          </a:prstGeom>
+          <a:ln w="38099" cap="flat" cmpd="sng" algn="ctr">
+            <a:solidFill>
+              <a:schemeClr val="tx1"/>
+            </a:solidFill>
+            <a:prstDash val="solid"/>
+            <a:miter/>
+          </a:ln>
+        </p:spPr>
+        <p:style>
+          <a:lnRef idx="1">
+            <a:schemeClr val="accent1">
+              <a:shade val="50000"/>
+            </a:schemeClr>
+          </a:lnRef>
+          <a:fillRef idx="0">
+            <a:schemeClr val="accent1"/>
+          </a:fillRef>
+          <a:effectRef idx="0">
+            <a:schemeClr val="accent1"/>
+          </a:effectRef>
+          <a:fontRef idx="minor">
+            <a:schemeClr val="tx1"/>
+          </a:fontRef>
+        </p:style>
+      </p:cxnSp>
+      <p:cxnSp>
+        <p:nvCxnSpPr>
+          <p:cNvPr id="462114706" name="" hidden="0"/>
+          <p:cNvCxnSpPr>
+            <a:cxnSpLocks/>
+          </p:cNvCxnSpPr>
+          <p:nvPr isPhoto="0" userDrawn="0"/>
+        </p:nvCxnSpPr>
+        <p:spPr bwMode="auto">
+          <a:xfrm rot="16199969" flipH="0" flipV="0">
+            <a:off x="8812946" y="2816933"/>
+            <a:ext cx="432612" cy="474017"/>
+          </a:xfrm>
+          <a:prstGeom prst="line">
+            <a:avLst/>
+          </a:prstGeom>
+          <a:ln w="38099" cap="flat" cmpd="sng" algn="ctr">
+            <a:solidFill>
+              <a:schemeClr val="tx1"/>
+            </a:solidFill>
+            <a:prstDash val="solid"/>
+            <a:miter/>
+          </a:ln>
+        </p:spPr>
+        <p:style>
+          <a:lnRef idx="1">
+            <a:schemeClr val="accent1">
+              <a:shade val="50000"/>
+            </a:schemeClr>
+          </a:lnRef>
+          <a:fillRef idx="0">
+            <a:schemeClr val="accent1"/>
+          </a:fillRef>
+          <a:effectRef idx="0">
+            <a:schemeClr val="accent1"/>
+          </a:effectRef>
+          <a:fontRef idx="minor">
+            <a:schemeClr val="tx1"/>
+          </a:fontRef>
+        </p:style>
+      </p:cxnSp>
+      <p:cxnSp>
+        <p:nvCxnSpPr>
+          <p:cNvPr id="1899202782" name="" hidden="0"/>
+          <p:cNvCxnSpPr>
+            <a:cxnSpLocks/>
+          </p:cNvCxnSpPr>
+          <p:nvPr isPhoto="0" userDrawn="0"/>
+        </p:nvCxnSpPr>
+        <p:spPr bwMode="auto">
+          <a:xfrm rot="16199969" flipH="0" flipV="0">
+            <a:off x="8504282" y="3742507"/>
+            <a:ext cx="365796" cy="210051"/>
+          </a:xfrm>
+          <a:prstGeom prst="line">
+            <a:avLst/>
+          </a:prstGeom>
+          <a:ln w="38099" cap="flat" cmpd="sng" algn="ctr">
+            <a:solidFill>
+              <a:schemeClr val="tx1"/>
+            </a:solidFill>
+            <a:prstDash val="solid"/>
+            <a:miter/>
+          </a:ln>
+        </p:spPr>
+        <p:style>
+          <a:lnRef idx="1">
+            <a:schemeClr val="accent1">
+              <a:shade val="50000"/>
+            </a:schemeClr>
+          </a:lnRef>
+          <a:fillRef idx="0">
+            <a:schemeClr val="accent1"/>
+          </a:fillRef>
+          <a:effectRef idx="0">
+            <a:schemeClr val="accent1"/>
+          </a:effectRef>
+          <a:fontRef idx="minor">
+            <a:schemeClr val="tx1"/>
+          </a:fontRef>
+        </p:style>
+      </p:cxnSp>
+      <p:cxnSp>
+        <p:nvCxnSpPr>
+          <p:cNvPr id="1414164874" name="" hidden="0"/>
+          <p:cNvCxnSpPr>
+            <a:cxnSpLocks/>
+          </p:cNvCxnSpPr>
+          <p:nvPr isPhoto="0" userDrawn="0"/>
+        </p:nvCxnSpPr>
+        <p:spPr bwMode="auto">
+          <a:xfrm rot="16199969" flipH="0" flipV="0">
+            <a:off x="9335238" y="4370814"/>
+            <a:ext cx="890815" cy="210051"/>
+          </a:xfrm>
+          <a:prstGeom prst="line">
+            <a:avLst/>
+          </a:prstGeom>
+          <a:ln w="38099" cap="flat" cmpd="sng" algn="ctr">
+            <a:solidFill>
+              <a:schemeClr val="tx1"/>
+            </a:solidFill>
+            <a:prstDash val="solid"/>
+            <a:miter/>
+          </a:ln>
+        </p:spPr>
+        <p:style>
+          <a:lnRef idx="1">
+            <a:schemeClr val="accent1">
+              <a:shade val="50000"/>
+            </a:schemeClr>
+          </a:lnRef>
+          <a:fillRef idx="0">
+            <a:schemeClr val="accent1"/>
+          </a:fillRef>
+          <a:effectRef idx="0">
+            <a:schemeClr val="accent1"/>
+          </a:effectRef>
+          <a:fontRef idx="minor">
+            <a:schemeClr val="tx1"/>
+          </a:fontRef>
+        </p:style>
+      </p:cxnSp>
+      <p:cxnSp>
+        <p:nvCxnSpPr>
+          <p:cNvPr id="1567152210" name="" hidden="0"/>
+          <p:cNvCxnSpPr>
+            <a:cxnSpLocks/>
+          </p:cNvCxnSpPr>
+          <p:nvPr isPhoto="0" userDrawn="0"/>
+        </p:nvCxnSpPr>
+        <p:spPr bwMode="auto">
+          <a:xfrm rot="16199969" flipH="0" flipV="1">
+            <a:off x="10904519" y="3789076"/>
+            <a:ext cx="482629" cy="78"/>
+          </a:xfrm>
+          <a:prstGeom prst="line">
+            <a:avLst/>
+          </a:prstGeom>
+          <a:ln w="38099" cap="flat" cmpd="sng" algn="ctr">
+            <a:solidFill>
+              <a:schemeClr val="tx1"/>
+            </a:solidFill>
+            <a:prstDash val="solid"/>
+            <a:miter/>
+          </a:ln>
+        </p:spPr>
+        <p:style>
+          <a:lnRef idx="1">
+            <a:schemeClr val="accent1">
+              <a:shade val="50000"/>
+            </a:schemeClr>
+          </a:lnRef>
+          <a:fillRef idx="0">
+            <a:schemeClr val="accent1"/>
+          </a:fillRef>
+          <a:effectRef idx="0">
+            <a:schemeClr val="accent1"/>
+          </a:effectRef>
+          <a:fontRef idx="minor">
+            <a:schemeClr val="tx1"/>
+          </a:fontRef>
+        </p:style>
+      </p:cxnSp>
+      <p:cxnSp>
+        <p:nvCxnSpPr>
+          <p:cNvPr id="1342595434" name="" hidden="0"/>
+          <p:cNvCxnSpPr>
+            <a:cxnSpLocks/>
+          </p:cNvCxnSpPr>
+          <p:nvPr isPhoto="0" userDrawn="0"/>
+        </p:nvCxnSpPr>
+        <p:spPr bwMode="auto">
+          <a:xfrm rot="16199969" flipH="0" flipV="1">
+            <a:off x="10904519" y="4660900"/>
+            <a:ext cx="482629" cy="78"/>
+          </a:xfrm>
+          <a:prstGeom prst="line">
+            <a:avLst/>
+          </a:prstGeom>
+          <a:ln w="38099" cap="flat" cmpd="sng" algn="ctr">
+            <a:solidFill>
+              <a:schemeClr val="tx1"/>
+            </a:solidFill>
+            <a:prstDash val="solid"/>
+            <a:miter/>
+          </a:ln>
+        </p:spPr>
+        <p:style>
+          <a:lnRef idx="1">
+            <a:schemeClr val="accent1">
+              <a:shade val="50000"/>
+            </a:schemeClr>
+          </a:lnRef>
+          <a:fillRef idx="0">
+            <a:schemeClr val="accent1"/>
+          </a:fillRef>
+          <a:effectRef idx="0">
+            <a:schemeClr val="accent1"/>
+          </a:effectRef>
+          <a:fontRef idx="minor">
+            <a:schemeClr val="tx1"/>
+          </a:fontRef>
+        </p:style>
+      </p:cxnSp>
+      <p:cxnSp>
+        <p:nvCxnSpPr>
+          <p:cNvPr id="1444213157" name="" hidden="0"/>
+          <p:cNvCxnSpPr>
+            <a:cxnSpLocks/>
+          </p:cNvCxnSpPr>
+          <p:nvPr isPhoto="0" userDrawn="0"/>
+        </p:nvCxnSpPr>
+        <p:spPr bwMode="auto">
+          <a:xfrm rot="16199969" flipH="0" flipV="1">
+            <a:off x="8765409" y="4236289"/>
+            <a:ext cx="482629" cy="849297"/>
+          </a:xfrm>
+          <a:prstGeom prst="line">
+            <a:avLst/>
+          </a:prstGeom>
+          <a:ln w="38099" cap="flat" cmpd="sng" algn="ctr">
+            <a:solidFill>
+              <a:schemeClr val="tx1"/>
+            </a:solidFill>
+            <a:prstDash val="solid"/>
+            <a:miter/>
+          </a:ln>
+        </p:spPr>
+        <p:style>
+          <a:lnRef idx="1">
+            <a:schemeClr val="accent1">
+              <a:shade val="50000"/>
+            </a:schemeClr>
+          </a:lnRef>
+          <a:fillRef idx="0">
+            <a:schemeClr val="accent1"/>
+          </a:fillRef>
+          <a:effectRef idx="0">
+            <a:schemeClr val="accent1"/>
+          </a:effectRef>
+          <a:fontRef idx="minor">
+            <a:schemeClr val="tx1"/>
+          </a:fontRef>
+        </p:style>
+      </p:cxnSp>
+      <p:cxnSp>
+        <p:nvCxnSpPr>
+          <p:cNvPr id="1371173908" name="" hidden="0"/>
+          <p:cNvCxnSpPr>
+            <a:cxnSpLocks/>
+          </p:cNvCxnSpPr>
+          <p:nvPr isPhoto="0" userDrawn="0"/>
+        </p:nvCxnSpPr>
+        <p:spPr bwMode="auto">
+          <a:xfrm rot="16199969" flipH="0" flipV="0">
+            <a:off x="10073846" y="1341850"/>
+            <a:ext cx="467557" cy="6252"/>
+          </a:xfrm>
+          <a:prstGeom prst="line">
+            <a:avLst/>
+          </a:prstGeom>
+          <a:ln w="38099" cap="flat" cmpd="sng" algn="ctr">
+            <a:solidFill>
+              <a:schemeClr val="tx1"/>
+            </a:solidFill>
+            <a:prstDash val="solid"/>
+            <a:miter/>
+          </a:ln>
+        </p:spPr>
+        <p:style>
+          <a:lnRef idx="1">
+            <a:schemeClr val="accent1">
+              <a:shade val="50000"/>
+            </a:schemeClr>
+          </a:lnRef>
+          <a:fillRef idx="0">
+            <a:schemeClr val="accent1"/>
+          </a:fillRef>
+          <a:effectRef idx="0">
+            <a:schemeClr val="accent1"/>
+          </a:effectRef>
+          <a:fontRef idx="minor">
+            <a:schemeClr val="tx1"/>
+          </a:fontRef>
+        </p:style>
+      </p:cxnSp>
+      <p:cxnSp>
+        <p:nvCxnSpPr>
+          <p:cNvPr id="422801604" name="" hidden="0"/>
+          <p:cNvCxnSpPr>
+            <a:cxnSpLocks/>
+          </p:cNvCxnSpPr>
+          <p:nvPr isPhoto="0" userDrawn="0"/>
+        </p:nvCxnSpPr>
+        <p:spPr bwMode="auto">
+          <a:xfrm rot="16199969" flipH="0" flipV="0">
+            <a:off x="9383403" y="5513214"/>
+            <a:ext cx="467557" cy="6252"/>
+          </a:xfrm>
+          <a:prstGeom prst="line">
+            <a:avLst/>
+          </a:prstGeom>
+          <a:ln w="38099" cap="flat" cmpd="sng" algn="ctr">
+            <a:solidFill>
+              <a:schemeClr val="tx1"/>
+            </a:solidFill>
+            <a:prstDash val="solid"/>
+            <a:miter/>
+          </a:ln>
+        </p:spPr>
+        <p:style>
+          <a:lnRef idx="1">
+            <a:schemeClr val="accent1">
+              <a:shade val="50000"/>
+            </a:schemeClr>
+          </a:lnRef>
+          <a:fillRef idx="0">
+            <a:schemeClr val="accent1"/>
+          </a:fillRef>
+          <a:effectRef idx="0">
+            <a:schemeClr val="accent1"/>
+          </a:effectRef>
+          <a:fontRef idx="minor">
+            <a:schemeClr val="tx1"/>
+          </a:fontRef>
+        </p:style>
+      </p:cxnSp>
+      <p:cxnSp>
+        <p:nvCxnSpPr>
+          <p:cNvPr id="1301772699" name="" hidden="0"/>
+          <p:cNvCxnSpPr>
+            <a:cxnSpLocks/>
+          </p:cNvCxnSpPr>
+          <p:nvPr isPhoto="0" userDrawn="0"/>
+        </p:nvCxnSpPr>
+        <p:spPr bwMode="auto">
+          <a:xfrm rot="16199969" flipH="0" flipV="0">
+            <a:off x="10968919" y="5498703"/>
+            <a:ext cx="467557" cy="6252"/>
+          </a:xfrm>
+          <a:prstGeom prst="line">
+            <a:avLst/>
+          </a:prstGeom>
+          <a:ln w="38099" cap="flat" cmpd="sng" algn="ctr">
+            <a:solidFill>
+              <a:schemeClr val="tx1"/>
+            </a:solidFill>
+            <a:prstDash val="solid"/>
+            <a:miter/>
+          </a:ln>
+        </p:spPr>
+        <p:style>
+          <a:lnRef idx="1">
+            <a:schemeClr val="accent1">
+              <a:shade val="50000"/>
+            </a:schemeClr>
+          </a:lnRef>
+          <a:fillRef idx="0">
+            <a:schemeClr val="accent1"/>
+          </a:fillRef>
+          <a:effectRef idx="0">
+            <a:schemeClr val="accent1"/>
+          </a:effectRef>
+          <a:fontRef idx="minor">
+            <a:schemeClr val="tx1"/>
+          </a:fontRef>
+        </p:style>
+      </p:cxnSp>
+      <p:sp>
+        <p:nvSpPr>
+          <p:cNvPr id="919919972" name="" hidden="0"/>
+          <p:cNvSpPr txBox="1"/>
+          <p:nvPr isPhoto="0" userDrawn="0"/>
+        </p:nvSpPr>
+        <p:spPr bwMode="auto">
+          <a:xfrm flipH="0" flipV="0">
+            <a:off x="8096544" y="1624494"/>
+            <a:ext cx="932706" cy="640115"/>
+          </a:xfrm>
+          <a:prstGeom prst="rect">
+            <a:avLst/>
+          </a:prstGeom>
+          <a:noFill/>
+        </p:spPr>
+        <p:txBody>
+          <a:bodyPr vertOverflow="overflow" horzOverflow="clip" vert="horz" wrap="none" lIns="91440" tIns="45720" rIns="91440" bIns="45720" numCol="1" spcCol="0" rtlCol="0" fromWordArt="0" anchor="t" anchorCtr="0" forceAA="0" upright="0" compatLnSpc="0">
+            <a:spAutoFit/>
+          </a:bodyPr>
+          <a:p>
+            <a:pPr>
+              <a:defRPr/>
+            </a:pPr>
+            <a:r>
+              <a:rPr i="1"/>
+              <a:t>MSR6</a:t>
+            </a:r>
+            <a:endParaRPr i="1"/>
+          </a:p>
+          <a:p>
+            <a:pPr>
+              <a:defRPr/>
+            </a:pPr>
+            <a:r>
+              <a:rPr i="1"/>
+              <a:t>domain</a:t>
+            </a:r>
+            <a:endParaRPr i="1"/>
+          </a:p>
+        </p:txBody>
+      </p:sp>
+    </p:spTree>
+  </p:cSld>
+  <p:clrMapOvr>
+    <a:masterClrMapping/>
+  </p:clrMapOvr>
+  <mc:AlternateContent xmlns:mc="http://schemas.openxmlformats.org/markup-compatibility/2006">
+    <mc:Choice xmlns:p14="http://schemas.microsoft.com/office/powerpoint/2010/main" Requires="p14">
+      <p:transition p14:dur="2000" advClick="1"/>
+    </mc:Choice>
+    <mc:Fallback>
+      <p:transition advClick="1"/>
+    </mc:Fallback>
+  </mc:AlternateContent>
+</p:sld>
+</file>
+
+<file path=ppt/slides/slide8.xml><?xml version="1.0" encoding="utf-8"?>
 <p:sld xmlns:a="http://schemas.openxmlformats.org/drawingml/2006/main" xmlns:r="http://schemas.openxmlformats.org/officeDocument/2006/relationships" xmlns:p="http://schemas.openxmlformats.org/presentationml/2006/main" xmlns:m="http://schemas.openxmlformats.org/officeDocument/2006/math" xmlns:w="http://schemas.openxmlformats.org/wordprocessingml/2006/main" showMasterPhAnim="0" show="1">
   <p:cSld name="">
     <p:bg>
@@ -5322,7 +8717,7 @@
         <p:spPr bwMode="auto">
           <a:xfrm flipH="0" flipV="0">
             <a:off x="298449" y="1079499"/>
-            <a:ext cx="9609174" cy="5393194"/>
+            <a:ext cx="9609174" cy="5393193"/>
           </a:xfrm>
         </p:spPr>
         <p:txBody>
@@ -5379,8 +8774,20 @@
               <a:defRPr/>
             </a:pPr>
             <a:r>
-              <a:rPr sz="7200" i="1"/>
-              <a:t>IETF/BIER can-not / should not replicate the whole IPv6 ecosystem</a:t>
+              <a:rPr sz="4800" i="1"/>
+              <a:t>IETF/BIER can-not / should not change any more than necessary of the  IPv6 ecosystem </a:t>
+            </a:r>
+            <a:endParaRPr sz="4800" i="1"/>
+          </a:p>
+          <a:p>
+            <a:pPr marL="400050" lvl="1" indent="0">
+              <a:buFont typeface="Arial"/>
+              <a:buNone/>
+              <a:defRPr/>
+            </a:pPr>
+            <a:r>
+              <a:rPr sz="4800" i="1"/>
+              <a:t>Want to improve on what we learned from BIER (and its limitations) to get best IPv6 solution.</a:t>
             </a:r>
             <a:endParaRPr sz="4800" i="1"/>
           </a:p>

--- a/msr6-bof-eckert-core-requirements.pptx
+++ b/msr6-bof-eckert-core-requirements.pptx
@@ -3291,7 +3291,7 @@
             </a:pPr>
             <a:r>
               <a:rPr lang="en-US" sz="3600"/>
-              <a:t>v1.0 - 07/13/2022</a:t>
+              <a:t>v1.1 - 07/21/2022</a:t>
             </a:r>
             <a:endParaRPr lang="en-US"/>
           </a:p>
@@ -4632,7 +4632,7 @@
         </p:nvCxnSpPr>
         <p:spPr bwMode="auto">
           <a:xfrm flipH="0" flipV="1">
-            <a:off x="430248" y="2266908"/>
+            <a:off x="430247" y="2266908"/>
             <a:ext cx="11556999" cy="15874"/>
           </a:xfrm>
           <a:prstGeom prst="line">
@@ -5419,7 +5419,7 @@
         </p:nvSpPr>
         <p:spPr bwMode="auto">
           <a:xfrm flipH="0" flipV="0">
-            <a:off x="350885" y="47624"/>
+            <a:off x="350885" y="47623"/>
             <a:ext cx="11002912" cy="760555"/>
           </a:xfrm>
         </p:spPr>
@@ -5809,7 +5809,7 @@
         <p:spPr bwMode="auto">
           <a:xfrm flipH="0" flipV="0">
             <a:off x="9927009" y="904152"/>
-            <a:ext cx="767487" cy="365795"/>
+            <a:ext cx="767486" cy="365795"/>
           </a:xfrm>
           <a:prstGeom prst="rect">
             <a:avLst/>
@@ -6180,7 +6180,7 @@
         </p:nvSpPr>
         <p:spPr bwMode="auto">
           <a:xfrm flipH="0" flipV="0">
-            <a:off x="9462472" y="3823385"/>
+            <a:off x="9462472" y="3823384"/>
             <a:ext cx="944325" cy="365795"/>
           </a:xfrm>
           <a:prstGeom prst="rect">
@@ -6342,7 +6342,7 @@
         </p:nvCxnSpPr>
         <p:spPr bwMode="auto">
           <a:xfrm rot="16199969" flipH="0" flipV="0">
-            <a:off x="10073846" y="1500600"/>
+            <a:off x="10073846" y="1500599"/>
             <a:ext cx="467557" cy="6252"/>
           </a:xfrm>
           <a:prstGeom prst="line">
@@ -6507,7 +6507,7 @@
         <p:spPr bwMode="auto">
           <a:xfrm rot="16199969" flipH="0" flipV="0">
             <a:off x="9733116" y="3149883"/>
-            <a:ext cx="826996" cy="520004"/>
+            <a:ext cx="826996" cy="520003"/>
           </a:xfrm>
           <a:prstGeom prst="line">
             <a:avLst/>
@@ -6793,7 +6793,7 @@
         </p:nvCxnSpPr>
         <p:spPr bwMode="auto">
           <a:xfrm rot="16199969" flipH="0" flipV="0">
-            <a:off x="10073846" y="1500600"/>
+            <a:off x="10073846" y="1500599"/>
             <a:ext cx="467557" cy="6252"/>
           </a:xfrm>
           <a:prstGeom prst="line">
@@ -8194,7 +8194,7 @@
         <p:spPr bwMode="auto">
           <a:xfrm rot="16199969" flipH="0" flipV="0">
             <a:off x="9733116" y="2991133"/>
-            <a:ext cx="826996" cy="520004"/>
+            <a:ext cx="826996" cy="520003"/>
           </a:xfrm>
           <a:prstGeom prst="line">
             <a:avLst/>
